--- a/sessions/week8/slides.pptx
+++ b/sessions/week8/slides.pptx
@@ -5,20 +5,24 @@
     <p:sldMasterId id="2147483662" r:id="rId1"/>
   </p:sldMasterIdLst>
   <p:notesMasterIdLst>
-    <p:notesMasterId r:id="rId10"/>
+    <p:notesMasterId r:id="rId14"/>
   </p:notesMasterIdLst>
   <p:handoutMasterIdLst>
-    <p:handoutMasterId r:id="rId11"/>
+    <p:handoutMasterId r:id="rId15"/>
   </p:handoutMasterIdLst>
   <p:sldIdLst>
     <p:sldId id="384" r:id="rId2"/>
-    <p:sldId id="387" r:id="rId3"/>
-    <p:sldId id="388" r:id="rId4"/>
-    <p:sldId id="389" r:id="rId5"/>
-    <p:sldId id="390" r:id="rId6"/>
-    <p:sldId id="391" r:id="rId7"/>
-    <p:sldId id="392" r:id="rId8"/>
-    <p:sldId id="403" r:id="rId9"/>
+    <p:sldId id="407" r:id="rId3"/>
+    <p:sldId id="405" r:id="rId4"/>
+    <p:sldId id="406" r:id="rId5"/>
+    <p:sldId id="387" r:id="rId6"/>
+    <p:sldId id="388" r:id="rId7"/>
+    <p:sldId id="389" r:id="rId8"/>
+    <p:sldId id="390" r:id="rId9"/>
+    <p:sldId id="391" r:id="rId10"/>
+    <p:sldId id="392" r:id="rId11"/>
+    <p:sldId id="404" r:id="rId12"/>
+    <p:sldId id="403" r:id="rId13"/>
   </p:sldIdLst>
   <p:sldSz cx="9144000" cy="6858000" type="screen4x3"/>
   <p:notesSz cx="6797675" cy="9928225"/>
@@ -1066,7 +1070,7 @@
             <a:fld id="{7C815114-10C4-470E-AEC0-D26E34843A37}" type="slidenum">
               <a:rPr lang="en-GB" smtClean="0"/>
               <a:pPr/>
-              <a:t>2</a:t>
+              <a:t>5</a:t>
             </a:fld>
             <a:endParaRPr lang="en-GB" smtClean="0"/>
           </a:p>
@@ -1187,7 +1191,7 @@
             <a:fld id="{ED412A74-9822-4B6F-838D-E1A6DC4E689E}" type="slidenum">
               <a:rPr lang="en-GB" smtClean="0"/>
               <a:pPr/>
-              <a:t>3</a:t>
+              <a:t>6</a:t>
             </a:fld>
             <a:endParaRPr lang="en-GB" smtClean="0"/>
           </a:p>
@@ -1291,7 +1295,7 @@
             <a:fld id="{B4002218-53B2-45C6-A41E-4E7FD279449A}" type="slidenum">
               <a:rPr lang="en-GB" smtClean="0"/>
               <a:pPr/>
-              <a:t>4</a:t>
+              <a:t>7</a:t>
             </a:fld>
             <a:endParaRPr lang="en-GB" smtClean="0"/>
           </a:p>
@@ -1395,7 +1399,7 @@
             <a:fld id="{4868EDFD-3FF8-44E6-A3CE-69F26C370632}" type="slidenum">
               <a:rPr lang="en-GB" smtClean="0"/>
               <a:pPr/>
-              <a:t>5</a:t>
+              <a:t>8</a:t>
             </a:fld>
             <a:endParaRPr lang="en-GB" smtClean="0"/>
           </a:p>
@@ -1499,7 +1503,7 @@
             <a:fld id="{ECE1AEEF-2D13-4F06-AF69-A6ADA532B2C1}" type="slidenum">
               <a:rPr lang="en-GB" smtClean="0"/>
               <a:pPr/>
-              <a:t>6</a:t>
+              <a:t>9</a:t>
             </a:fld>
             <a:endParaRPr lang="en-GB" smtClean="0"/>
           </a:p>
@@ -1603,7 +1607,7 @@
             <a:fld id="{BF384007-9FBE-468F-A86F-3D7105A5EF20}" type="slidenum">
               <a:rPr lang="en-GB" smtClean="0"/>
               <a:pPr/>
-              <a:t>7</a:t>
+              <a:t>10</a:t>
             </a:fld>
             <a:endParaRPr lang="en-GB" smtClean="0"/>
           </a:p>
@@ -1707,7 +1711,7 @@
             <a:fld id="{075A1BE3-65F8-41FB-A37C-97438561E47D}" type="slidenum">
               <a:rPr lang="en-GB" smtClean="0"/>
               <a:pPr/>
-              <a:t>8</a:t>
+              <a:t>12</a:t>
             </a:fld>
             <a:endParaRPr lang="en-GB" smtClean="0"/>
           </a:p>
@@ -5214,8 +5218,17 @@
               <a:rPr lang="en-GB" altLang="zh-CN" sz="4400" b="1" dirty="0">
                 <a:latin typeface="Trebuchet MS" pitchFamily="34" charset="0"/>
               </a:rPr>
-              <a:t>Creating User-Friendly Forms</a:t>
-            </a:r>
+              <a:t>Creating </a:t>
+            </a:r>
+            <a:r>
+              <a:rPr lang="en-GB" altLang="zh-CN" sz="4400" b="1" dirty="0" smtClean="0">
+                <a:latin typeface="Trebuchet MS" pitchFamily="34" charset="0"/>
+              </a:rPr>
+              <a:t>Forms</a:t>
+            </a:r>
+            <a:endParaRPr lang="en-GB" altLang="zh-CN" sz="4400" b="1" dirty="0">
+              <a:latin typeface="Trebuchet MS" pitchFamily="34" charset="0"/>
+            </a:endParaRPr>
           </a:p>
         </p:txBody>
       </p:sp>
@@ -5239,7 +5252,1726 @@
 </p:sld>
 </file>
 
+<file path=ppt/slides/slide10.xml><?xml version="1.0" encoding="utf-8"?>
+<p:sld xmlns:a="http://schemas.openxmlformats.org/drawingml/2006/main" xmlns:r="http://schemas.openxmlformats.org/officeDocument/2006/relationships" xmlns:p="http://schemas.openxmlformats.org/presentationml/2006/main" showMasterSp="0">
+  <p:cSld>
+    <p:spTree>
+      <p:nvGrpSpPr>
+        <p:cNvPr id="1" name=""/>
+        <p:cNvGrpSpPr/>
+        <p:nvPr/>
+      </p:nvGrpSpPr>
+      <p:grpSpPr>
+        <a:xfrm>
+          <a:off x="0" y="0"/>
+          <a:ext cx="0" cy="0"/>
+          <a:chOff x="0" y="0"/>
+          <a:chExt cx="0" cy="0"/>
+        </a:xfrm>
+      </p:grpSpPr>
+      <p:sp>
+        <p:nvSpPr>
+          <p:cNvPr id="10243" name="Rectangle 2"/>
+          <p:cNvSpPr>
+            <a:spLocks noGrp="1" noChangeArrowheads="1"/>
+          </p:cNvSpPr>
+          <p:nvPr>
+            <p:ph type="title"/>
+          </p:nvPr>
+        </p:nvSpPr>
+        <p:spPr>
+          <a:xfrm>
+            <a:off x="0" y="357188"/>
+            <a:ext cx="9144000" cy="714375"/>
+          </a:xfrm>
+        </p:spPr>
+        <p:txBody>
+          <a:bodyPr>
+            <a:normAutofit fontScale="90000"/>
+          </a:bodyPr>
+          <a:lstStyle/>
+          <a:p>
+            <a:pPr algn="ctr" eaLnBrk="1" hangingPunct="1">
+              <a:defRPr/>
+            </a:pPr>
+            <a:r>
+              <a:rPr lang="en-GB" sz="3600" dirty="0" smtClean="0">
+                <a:solidFill>
+                  <a:srgbClr val="C00000"/>
+                </a:solidFill>
+              </a:rPr>
+              <a:t>Multi-line Text</a:t>
+            </a:r>
+            <a:br>
+              <a:rPr lang="en-GB" sz="3600" dirty="0" smtClean="0">
+                <a:solidFill>
+                  <a:srgbClr val="C00000"/>
+                </a:solidFill>
+              </a:rPr>
+            </a:br>
+            <a:endParaRPr lang="en-GB" sz="3600" dirty="0" smtClean="0">
+              <a:solidFill>
+                <a:srgbClr val="C00000"/>
+              </a:solidFill>
+              <a:ea typeface="+mj-ea"/>
+            </a:endParaRPr>
+          </a:p>
+        </p:txBody>
+      </p:sp>
+      <p:sp>
+        <p:nvSpPr>
+          <p:cNvPr id="8195" name="Rectangle 4"/>
+          <p:cNvSpPr>
+            <a:spLocks noChangeArrowheads="1"/>
+          </p:cNvSpPr>
+          <p:nvPr/>
+        </p:nvSpPr>
+        <p:spPr bwMode="auto">
+          <a:xfrm>
+            <a:off x="395536" y="3384550"/>
+            <a:ext cx="8429625" cy="1844650"/>
+          </a:xfrm>
+          <a:prstGeom prst="rect">
+            <a:avLst/>
+          </a:prstGeom>
+          <a:solidFill>
+            <a:schemeClr val="accent1"/>
+          </a:solidFill>
+          <a:ln w="9525" algn="ctr">
+            <a:solidFill>
+              <a:schemeClr val="tx1"/>
+            </a:solidFill>
+            <a:round/>
+            <a:headEnd/>
+            <a:tailEnd/>
+          </a:ln>
+        </p:spPr>
+        <p:txBody>
+          <a:bodyPr/>
+          <a:lstStyle/>
+          <a:p>
+            <a:pPr>
+              <a:lnSpc>
+                <a:spcPct val="150000"/>
+              </a:lnSpc>
+              <a:spcBef>
+                <a:spcPts val="0"/>
+              </a:spcBef>
+              <a:spcAft>
+                <a:spcPts val="0"/>
+              </a:spcAft>
+            </a:pPr>
+            <a:r>
+              <a:rPr lang="en-GB" dirty="0">
+                <a:latin typeface="Consolas" panose="020B0609020204030204" pitchFamily="49" charset="0"/>
+                <a:cs typeface="Consolas" panose="020B0609020204030204" pitchFamily="49" charset="0"/>
+              </a:rPr>
+              <a:t>&lt;h1&gt;Enter your suggestions here: &lt;/h1&gt;</a:t>
+            </a:r>
+          </a:p>
+          <a:p>
+            <a:pPr>
+              <a:lnSpc>
+                <a:spcPct val="150000"/>
+              </a:lnSpc>
+              <a:spcBef>
+                <a:spcPts val="0"/>
+              </a:spcBef>
+              <a:spcAft>
+                <a:spcPts val="0"/>
+              </a:spcAft>
+            </a:pPr>
+            <a:r>
+              <a:rPr lang="en-GB" dirty="0">
+                <a:latin typeface="Consolas" panose="020B0609020204030204" pitchFamily="49" charset="0"/>
+                <a:cs typeface="Consolas" panose="020B0609020204030204" pitchFamily="49" charset="0"/>
+              </a:rPr>
+              <a:t>&lt;</a:t>
+            </a:r>
+            <a:r>
+              <a:rPr lang="en-GB" b="1" dirty="0" err="1">
+                <a:latin typeface="Consolas" panose="020B0609020204030204" pitchFamily="49" charset="0"/>
+                <a:cs typeface="Consolas" panose="020B0609020204030204" pitchFamily="49" charset="0"/>
+              </a:rPr>
+              <a:t>textarea</a:t>
+            </a:r>
+            <a:r>
+              <a:rPr lang="en-GB" dirty="0">
+                <a:latin typeface="Consolas" panose="020B0609020204030204" pitchFamily="49" charset="0"/>
+                <a:cs typeface="Consolas" panose="020B0609020204030204" pitchFamily="49" charset="0"/>
+              </a:rPr>
+              <a:t> </a:t>
+            </a:r>
+            <a:r>
+              <a:rPr lang="en-GB" dirty="0">
+                <a:solidFill>
+                  <a:srgbClr val="C00000"/>
+                </a:solidFill>
+                <a:latin typeface="Consolas" panose="020B0609020204030204" pitchFamily="49" charset="0"/>
+                <a:cs typeface="Consolas" panose="020B0609020204030204" pitchFamily="49" charset="0"/>
+              </a:rPr>
+              <a:t>name</a:t>
+            </a:r>
+            <a:r>
+              <a:rPr lang="en-GB" dirty="0">
+                <a:latin typeface="Consolas" panose="020B0609020204030204" pitchFamily="49" charset="0"/>
+                <a:cs typeface="Consolas" panose="020B0609020204030204" pitchFamily="49" charset="0"/>
+              </a:rPr>
+              <a:t>="</a:t>
+            </a:r>
+            <a:r>
+              <a:rPr lang="en-GB" dirty="0">
+                <a:solidFill>
+                  <a:srgbClr val="00CC00"/>
+                </a:solidFill>
+                <a:latin typeface="Consolas" panose="020B0609020204030204" pitchFamily="49" charset="0"/>
+                <a:cs typeface="Consolas" panose="020B0609020204030204" pitchFamily="49" charset="0"/>
+              </a:rPr>
+              <a:t>suggestions</a:t>
+            </a:r>
+            <a:r>
+              <a:rPr lang="en-GB" dirty="0">
+                <a:latin typeface="Consolas" panose="020B0609020204030204" pitchFamily="49" charset="0"/>
+                <a:cs typeface="Consolas" panose="020B0609020204030204" pitchFamily="49" charset="0"/>
+              </a:rPr>
+              <a:t>" </a:t>
+            </a:r>
+            <a:r>
+              <a:rPr lang="en-GB" dirty="0">
+                <a:solidFill>
+                  <a:srgbClr val="C00000"/>
+                </a:solidFill>
+                <a:latin typeface="Consolas" panose="020B0609020204030204" pitchFamily="49" charset="0"/>
+                <a:cs typeface="Consolas" panose="020B0609020204030204" pitchFamily="49" charset="0"/>
+              </a:rPr>
+              <a:t>rows</a:t>
+            </a:r>
+            <a:r>
+              <a:rPr lang="en-GB" dirty="0">
+                <a:latin typeface="Consolas" panose="020B0609020204030204" pitchFamily="49" charset="0"/>
+                <a:cs typeface="Consolas" panose="020B0609020204030204" pitchFamily="49" charset="0"/>
+              </a:rPr>
+              <a:t>="</a:t>
+            </a:r>
+            <a:r>
+              <a:rPr lang="en-GB" dirty="0">
+                <a:solidFill>
+                  <a:srgbClr val="00CC00"/>
+                </a:solidFill>
+                <a:latin typeface="Consolas" panose="020B0609020204030204" pitchFamily="49" charset="0"/>
+                <a:cs typeface="Consolas" panose="020B0609020204030204" pitchFamily="49" charset="0"/>
+              </a:rPr>
+              <a:t>5</a:t>
+            </a:r>
+            <a:r>
+              <a:rPr lang="en-GB" dirty="0">
+                <a:latin typeface="Consolas" panose="020B0609020204030204" pitchFamily="49" charset="0"/>
+                <a:cs typeface="Consolas" panose="020B0609020204030204" pitchFamily="49" charset="0"/>
+              </a:rPr>
+              <a:t>" </a:t>
+            </a:r>
+            <a:r>
+              <a:rPr lang="en-GB" dirty="0">
+                <a:solidFill>
+                  <a:srgbClr val="C00000"/>
+                </a:solidFill>
+                <a:latin typeface="Consolas" panose="020B0609020204030204" pitchFamily="49" charset="0"/>
+                <a:cs typeface="Consolas" panose="020B0609020204030204" pitchFamily="49" charset="0"/>
+              </a:rPr>
+              <a:t>cols</a:t>
+            </a:r>
+            <a:r>
+              <a:rPr lang="en-GB" dirty="0">
+                <a:latin typeface="Consolas" panose="020B0609020204030204" pitchFamily="49" charset="0"/>
+                <a:cs typeface="Consolas" panose="020B0609020204030204" pitchFamily="49" charset="0"/>
+              </a:rPr>
+              <a:t>="</a:t>
+            </a:r>
+            <a:r>
+              <a:rPr lang="en-GB" dirty="0">
+                <a:solidFill>
+                  <a:srgbClr val="00CC00"/>
+                </a:solidFill>
+                <a:latin typeface="Consolas" panose="020B0609020204030204" pitchFamily="49" charset="0"/>
+                <a:cs typeface="Consolas" panose="020B0609020204030204" pitchFamily="49" charset="0"/>
+              </a:rPr>
+              <a:t>25</a:t>
+            </a:r>
+            <a:r>
+              <a:rPr lang="en-GB" dirty="0">
+                <a:latin typeface="Consolas" panose="020B0609020204030204" pitchFamily="49" charset="0"/>
+                <a:cs typeface="Consolas" panose="020B0609020204030204" pitchFamily="49" charset="0"/>
+              </a:rPr>
+              <a:t>"&gt; my suggestions are:&lt;</a:t>
+            </a:r>
+            <a:r>
+              <a:rPr lang="en-GB" b="1" dirty="0">
+                <a:latin typeface="Consolas" panose="020B0609020204030204" pitchFamily="49" charset="0"/>
+                <a:cs typeface="Consolas" panose="020B0609020204030204" pitchFamily="49" charset="0"/>
+              </a:rPr>
+              <a:t>/</a:t>
+            </a:r>
+            <a:r>
+              <a:rPr lang="en-GB" b="1" dirty="0" err="1">
+                <a:latin typeface="Consolas" panose="020B0609020204030204" pitchFamily="49" charset="0"/>
+                <a:cs typeface="Consolas" panose="020B0609020204030204" pitchFamily="49" charset="0"/>
+              </a:rPr>
+              <a:t>textarea</a:t>
+            </a:r>
+            <a:r>
+              <a:rPr lang="en-GB" dirty="0">
+                <a:latin typeface="Consolas" panose="020B0609020204030204" pitchFamily="49" charset="0"/>
+                <a:cs typeface="Consolas" panose="020B0609020204030204" pitchFamily="49" charset="0"/>
+              </a:rPr>
+              <a:t>&gt;</a:t>
+            </a:r>
+          </a:p>
+        </p:txBody>
+      </p:sp>
+      <p:pic>
+        <p:nvPicPr>
+          <p:cNvPr id="12293" name="Picture 5"/>
+          <p:cNvPicPr>
+            <a:picLocks noChangeAspect="1" noChangeArrowheads="1"/>
+          </p:cNvPicPr>
+          <p:nvPr/>
+        </p:nvPicPr>
+        <p:blipFill>
+          <a:blip r:embed="rId3"/>
+          <a:srcRect/>
+          <a:stretch>
+            <a:fillRect/>
+          </a:stretch>
+        </p:blipFill>
+        <p:spPr bwMode="auto">
+          <a:xfrm>
+            <a:off x="2771775" y="1341438"/>
+            <a:ext cx="3168650" cy="1773237"/>
+          </a:xfrm>
+          <a:prstGeom prst="rect">
+            <a:avLst/>
+          </a:prstGeom>
+          <a:noFill/>
+          <a:ln w="9525">
+            <a:solidFill>
+              <a:schemeClr val="accent1">
+                <a:lumMod val="75000"/>
+              </a:schemeClr>
+            </a:solidFill>
+            <a:miter lim="800000"/>
+            <a:headEnd/>
+            <a:tailEnd/>
+          </a:ln>
+          <a:effectLst/>
+        </p:spPr>
+      </p:pic>
+    </p:spTree>
+    <p:extLst>
+      <p:ext uri="{BB962C8B-B14F-4D97-AF65-F5344CB8AC3E}">
+        <p14:creationId xmlns:p14="http://schemas.microsoft.com/office/powerpoint/2010/main" val="16982343"/>
+      </p:ext>
+    </p:extLst>
+  </p:cSld>
+  <p:clrMapOvr>
+    <a:masterClrMapping/>
+  </p:clrMapOvr>
+  <p:timing>
+    <p:tnLst>
+      <p:par>
+        <p:cTn id="1" dur="indefinite" restart="never" nodeType="tmRoot">
+          <p:childTnLst>
+            <p:seq concurrent="1" nextAc="seek">
+              <p:cTn id="2" dur="indefinite" nodeType="mainSeq">
+                <p:childTnLst>
+                  <p:par>
+                    <p:cTn id="3" fill="hold">
+                      <p:stCondLst>
+                        <p:cond delay="indefinite"/>
+                      </p:stCondLst>
+                      <p:childTnLst>
+                        <p:par>
+                          <p:cTn id="4" fill="hold">
+                            <p:stCondLst>
+                              <p:cond delay="0"/>
+                            </p:stCondLst>
+                            <p:childTnLst>
+                              <p:par>
+                                <p:cTn id="5" presetID="29" presetClass="entr" presetSubtype="0" fill="hold" grpId="0" nodeType="clickEffect">
+                                  <p:stCondLst>
+                                    <p:cond delay="0"/>
+                                  </p:stCondLst>
+                                  <p:childTnLst>
+                                    <p:set>
+                                      <p:cBhvr>
+                                        <p:cTn id="6" dur="1" fill="hold">
+                                          <p:stCondLst>
+                                            <p:cond delay="0"/>
+                                          </p:stCondLst>
+                                        </p:cTn>
+                                        <p:tgtEl>
+                                          <p:spTgt spid="8195"/>
+                                        </p:tgtEl>
+                                        <p:attrNameLst>
+                                          <p:attrName>style.visibility</p:attrName>
+                                        </p:attrNameLst>
+                                      </p:cBhvr>
+                                      <p:to>
+                                        <p:strVal val="visible"/>
+                                      </p:to>
+                                    </p:set>
+                                    <p:anim calcmode="lin" valueType="num">
+                                      <p:cBhvr>
+                                        <p:cTn id="7" dur="1000" fill="hold"/>
+                                        <p:tgtEl>
+                                          <p:spTgt spid="8195"/>
+                                        </p:tgtEl>
+                                        <p:attrNameLst>
+                                          <p:attrName>ppt_x</p:attrName>
+                                        </p:attrNameLst>
+                                      </p:cBhvr>
+                                      <p:tavLst>
+                                        <p:tav tm="0">
+                                          <p:val>
+                                            <p:strVal val="#ppt_x-.2"/>
+                                          </p:val>
+                                        </p:tav>
+                                        <p:tav tm="100000">
+                                          <p:val>
+                                            <p:strVal val="#ppt_x"/>
+                                          </p:val>
+                                        </p:tav>
+                                      </p:tavLst>
+                                    </p:anim>
+                                    <p:anim calcmode="lin" valueType="num">
+                                      <p:cBhvr>
+                                        <p:cTn id="8" dur="1000" fill="hold"/>
+                                        <p:tgtEl>
+                                          <p:spTgt spid="8195"/>
+                                        </p:tgtEl>
+                                        <p:attrNameLst>
+                                          <p:attrName>ppt_y</p:attrName>
+                                        </p:attrNameLst>
+                                      </p:cBhvr>
+                                      <p:tavLst>
+                                        <p:tav tm="0">
+                                          <p:val>
+                                            <p:strVal val="#ppt_y"/>
+                                          </p:val>
+                                        </p:tav>
+                                        <p:tav tm="100000">
+                                          <p:val>
+                                            <p:strVal val="#ppt_y"/>
+                                          </p:val>
+                                        </p:tav>
+                                      </p:tavLst>
+                                    </p:anim>
+                                    <p:animEffect transition="in" filter="wipe(right)" prLst="gradientSize: 0.1">
+                                      <p:cBhvr>
+                                        <p:cTn id="9" dur="1000"/>
+                                        <p:tgtEl>
+                                          <p:spTgt spid="8195"/>
+                                        </p:tgtEl>
+                                      </p:cBhvr>
+                                    </p:animEffect>
+                                  </p:childTnLst>
+                                </p:cTn>
+                              </p:par>
+                            </p:childTnLst>
+                          </p:cTn>
+                        </p:par>
+                      </p:childTnLst>
+                    </p:cTn>
+                  </p:par>
+                </p:childTnLst>
+              </p:cTn>
+              <p:prevCondLst>
+                <p:cond evt="onPrev" delay="0">
+                  <p:tgtEl>
+                    <p:sldTgt/>
+                  </p:tgtEl>
+                </p:cond>
+              </p:prevCondLst>
+              <p:nextCondLst>
+                <p:cond evt="onNext" delay="0">
+                  <p:tgtEl>
+                    <p:sldTgt/>
+                  </p:tgtEl>
+                </p:cond>
+              </p:nextCondLst>
+            </p:seq>
+          </p:childTnLst>
+        </p:cTn>
+      </p:par>
+    </p:tnLst>
+    <p:bldLst>
+      <p:bldP spid="8195" grpId="0" animBg="1"/>
+    </p:bldLst>
+  </p:timing>
+</p:sld>
+</file>
+
+<file path=ppt/slides/slide11.xml><?xml version="1.0" encoding="utf-8"?>
+<p:sld xmlns:a="http://schemas.openxmlformats.org/drawingml/2006/main" xmlns:r="http://schemas.openxmlformats.org/officeDocument/2006/relationships" xmlns:p="http://schemas.openxmlformats.org/presentationml/2006/main">
+  <p:cSld>
+    <p:spTree>
+      <p:nvGrpSpPr>
+        <p:cNvPr id="1" name=""/>
+        <p:cNvGrpSpPr/>
+        <p:nvPr/>
+      </p:nvGrpSpPr>
+      <p:grpSpPr>
+        <a:xfrm>
+          <a:off x="0" y="0"/>
+          <a:ext cx="0" cy="0"/>
+          <a:chOff x="0" y="0"/>
+          <a:chExt cx="0" cy="0"/>
+        </a:xfrm>
+      </p:grpSpPr>
+      <p:sp>
+        <p:nvSpPr>
+          <p:cNvPr id="2" name="Title 1"/>
+          <p:cNvSpPr>
+            <a:spLocks noGrp="1"/>
+          </p:cNvSpPr>
+          <p:nvPr>
+            <p:ph type="title"/>
+          </p:nvPr>
+        </p:nvSpPr>
+        <p:spPr>
+          <a:xfrm>
+            <a:off x="449263" y="485775"/>
+            <a:ext cx="7772400" cy="1071017"/>
+          </a:xfrm>
+        </p:spPr>
+        <p:txBody>
+          <a:bodyPr/>
+          <a:lstStyle/>
+          <a:p>
+            <a:r>
+              <a:rPr lang="en-US" dirty="0" smtClean="0"/>
+              <a:t>HTML </a:t>
+            </a:r>
+            <a:r>
+              <a:rPr lang="en-US" smtClean="0"/>
+              <a:t>5 Validation</a:t>
+            </a:r>
+            <a:endParaRPr lang="en-US"/>
+          </a:p>
+        </p:txBody>
+      </p:sp>
+      <p:sp>
+        <p:nvSpPr>
+          <p:cNvPr id="4" name="TextBox 3"/>
+          <p:cNvSpPr txBox="1"/>
+          <p:nvPr/>
+        </p:nvSpPr>
+        <p:spPr>
+          <a:xfrm>
+            <a:off x="459883" y="1700808"/>
+            <a:ext cx="1436612" cy="461665"/>
+          </a:xfrm>
+          <a:prstGeom prst="rect">
+            <a:avLst/>
+          </a:prstGeom>
+          <a:noFill/>
+        </p:spPr>
+        <p:txBody>
+          <a:bodyPr wrap="none" rtlCol="0">
+            <a:spAutoFit/>
+          </a:bodyPr>
+          <a:lstStyle/>
+          <a:p>
+            <a:r>
+              <a:rPr lang="en-US" u="sng" dirty="0" smtClean="0"/>
+              <a:t>Required</a:t>
+            </a:r>
+            <a:endParaRPr lang="en-US" u="sng" dirty="0"/>
+          </a:p>
+        </p:txBody>
+      </p:sp>
+      <p:sp>
+        <p:nvSpPr>
+          <p:cNvPr id="5" name="Rectangle 4"/>
+          <p:cNvSpPr/>
+          <p:nvPr/>
+        </p:nvSpPr>
+        <p:spPr>
+          <a:xfrm>
+            <a:off x="449263" y="2306489"/>
+            <a:ext cx="6499001" cy="461665"/>
+          </a:xfrm>
+          <a:prstGeom prst="rect">
+            <a:avLst/>
+          </a:prstGeom>
+        </p:spPr>
+        <p:txBody>
+          <a:bodyPr wrap="square">
+            <a:spAutoFit/>
+          </a:bodyPr>
+          <a:lstStyle/>
+          <a:p>
+            <a:r>
+              <a:rPr lang="en-US" dirty="0"/>
+              <a:t>&lt;input type="</a:t>
+            </a:r>
+            <a:r>
+              <a:rPr lang="en-US" dirty="0" smtClean="0"/>
+              <a:t>text” name</a:t>
+            </a:r>
+            <a:r>
+              <a:rPr lang="en-US" dirty="0"/>
+              <a:t>="Name" required&gt;</a:t>
+            </a:r>
+          </a:p>
+        </p:txBody>
+      </p:sp>
+      <p:sp>
+        <p:nvSpPr>
+          <p:cNvPr id="6" name="Rectangle 5"/>
+          <p:cNvSpPr/>
+          <p:nvPr/>
+        </p:nvSpPr>
+        <p:spPr>
+          <a:xfrm>
+            <a:off x="449262" y="3356992"/>
+            <a:ext cx="7075065" cy="461665"/>
+          </a:xfrm>
+          <a:prstGeom prst="rect">
+            <a:avLst/>
+          </a:prstGeom>
+        </p:spPr>
+        <p:txBody>
+          <a:bodyPr wrap="square">
+            <a:spAutoFit/>
+          </a:bodyPr>
+          <a:lstStyle/>
+          <a:p>
+            <a:r>
+              <a:rPr lang="en-US" dirty="0"/>
+              <a:t>&lt;input type</a:t>
+            </a:r>
+            <a:r>
+              <a:rPr lang="en-US" dirty="0" smtClean="0"/>
+              <a:t>=”</a:t>
+            </a:r>
+            <a:r>
+              <a:rPr lang="en-US" dirty="0" err="1" smtClean="0"/>
+              <a:t>email”name</a:t>
+            </a:r>
+            <a:r>
+              <a:rPr lang="en-US" dirty="0"/>
+              <a:t>="Name" required&gt;</a:t>
+            </a:r>
+          </a:p>
+        </p:txBody>
+      </p:sp>
+      <p:sp>
+        <p:nvSpPr>
+          <p:cNvPr id="7" name="TextBox 6"/>
+          <p:cNvSpPr txBox="1"/>
+          <p:nvPr/>
+        </p:nvSpPr>
+        <p:spPr>
+          <a:xfrm>
+            <a:off x="449263" y="2874516"/>
+            <a:ext cx="5048222" cy="461665"/>
+          </a:xfrm>
+          <a:prstGeom prst="rect">
+            <a:avLst/>
+          </a:prstGeom>
+          <a:noFill/>
+        </p:spPr>
+        <p:txBody>
+          <a:bodyPr wrap="square" rtlCol="0">
+            <a:spAutoFit/>
+          </a:bodyPr>
+          <a:lstStyle/>
+          <a:p>
+            <a:r>
+              <a:rPr lang="en-US" u="sng" dirty="0" smtClean="0"/>
+              <a:t>More precise input types </a:t>
+            </a:r>
+            <a:endParaRPr lang="en-US" u="sng" dirty="0"/>
+          </a:p>
+        </p:txBody>
+      </p:sp>
+    </p:spTree>
+    <p:extLst>
+      <p:ext uri="{BB962C8B-B14F-4D97-AF65-F5344CB8AC3E}">
+        <p14:creationId xmlns:p14="http://schemas.microsoft.com/office/powerpoint/2010/main" val="971462775"/>
+      </p:ext>
+    </p:extLst>
+  </p:cSld>
+  <p:clrMapOvr>
+    <a:masterClrMapping/>
+  </p:clrMapOvr>
+  <p:timing>
+    <p:tnLst>
+      <p:par>
+        <p:cTn id="1" dur="indefinite" restart="never" nodeType="tmRoot"/>
+      </p:par>
+    </p:tnLst>
+  </p:timing>
+</p:sld>
+</file>
+
+<file path=ppt/slides/slide12.xml><?xml version="1.0" encoding="utf-8"?>
+<p:sld xmlns:a="http://schemas.openxmlformats.org/drawingml/2006/main" xmlns:r="http://schemas.openxmlformats.org/officeDocument/2006/relationships" xmlns:p="http://schemas.openxmlformats.org/presentationml/2006/main">
+  <p:cSld>
+    <p:spTree>
+      <p:nvGrpSpPr>
+        <p:cNvPr id="1" name=""/>
+        <p:cNvGrpSpPr/>
+        <p:nvPr/>
+      </p:nvGrpSpPr>
+      <p:grpSpPr>
+        <a:xfrm>
+          <a:off x="0" y="0"/>
+          <a:ext cx="0" cy="0"/>
+          <a:chOff x="0" y="0"/>
+          <a:chExt cx="0" cy="0"/>
+        </a:xfrm>
+      </p:grpSpPr>
+      <p:sp>
+        <p:nvSpPr>
+          <p:cNvPr id="9" name="Rectangle 2"/>
+          <p:cNvSpPr txBox="1">
+            <a:spLocks noChangeArrowheads="1"/>
+          </p:cNvSpPr>
+          <p:nvPr/>
+        </p:nvSpPr>
+        <p:spPr bwMode="auto">
+          <a:xfrm>
+            <a:off x="500063" y="260350"/>
+            <a:ext cx="8443912" cy="857250"/>
+          </a:xfrm>
+          <a:prstGeom prst="rect">
+            <a:avLst/>
+          </a:prstGeom>
+          <a:noFill/>
+          <a:ln w="9525">
+            <a:noFill/>
+            <a:miter lim="800000"/>
+            <a:headEnd/>
+            <a:tailEnd/>
+          </a:ln>
+        </p:spPr>
+        <p:txBody>
+          <a:bodyPr lIns="0" tIns="0" rIns="0" bIns="0"/>
+          <a:lstStyle/>
+          <a:p>
+            <a:pPr algn="ctr" eaLnBrk="1" hangingPunct="1">
+              <a:defRPr/>
+            </a:pPr>
+            <a:r>
+              <a:rPr lang="en-GB" sz="4400" b="1" kern="0" dirty="0" smtClean="0">
+                <a:solidFill>
+                  <a:srgbClr val="C00000"/>
+                </a:solidFill>
+                <a:latin typeface="+mj-lt"/>
+                <a:ea typeface="+mj-ea"/>
+                <a:cs typeface="+mj-cs"/>
+              </a:rPr>
+              <a:t>References</a:t>
+            </a:r>
+            <a:endParaRPr lang="en-GB" sz="4400" b="1" kern="0" dirty="0">
+              <a:solidFill>
+                <a:srgbClr val="C00000"/>
+              </a:solidFill>
+              <a:latin typeface="+mj-lt"/>
+              <a:ea typeface="+mj-ea"/>
+              <a:cs typeface="+mj-cs"/>
+            </a:endParaRPr>
+          </a:p>
+        </p:txBody>
+      </p:sp>
+      <p:sp>
+        <p:nvSpPr>
+          <p:cNvPr id="33795" name="Rectangle 3"/>
+          <p:cNvSpPr txBox="1">
+            <a:spLocks noChangeArrowheads="1"/>
+          </p:cNvSpPr>
+          <p:nvPr/>
+        </p:nvSpPr>
+        <p:spPr bwMode="auto">
+          <a:xfrm>
+            <a:off x="395536" y="1117600"/>
+            <a:ext cx="8548439" cy="4737124"/>
+          </a:xfrm>
+          <a:prstGeom prst="rect">
+            <a:avLst/>
+          </a:prstGeom>
+          <a:noFill/>
+          <a:ln w="9525">
+            <a:noFill/>
+            <a:miter lim="800000"/>
+            <a:headEnd/>
+            <a:tailEnd/>
+          </a:ln>
+        </p:spPr>
+        <p:txBody>
+          <a:bodyPr lIns="0" tIns="0" rIns="0" bIns="0"/>
+          <a:lstStyle/>
+          <a:p>
+            <a:pPr marL="447675" indent="-447675" eaLnBrk="1" hangingPunct="1">
+              <a:lnSpc>
+                <a:spcPct val="150000"/>
+              </a:lnSpc>
+              <a:buClr>
+                <a:srgbClr val="C00000"/>
+              </a:buClr>
+              <a:buSzPct val="80000"/>
+              <a:buFont typeface="Wingdings" pitchFamily="2" charset="2"/>
+              <a:buChar char="Ø"/>
+              <a:tabLst>
+                <a:tab pos="93663" algn="l"/>
+              </a:tabLst>
+            </a:pPr>
+            <a:endParaRPr lang="en-GB" altLang="zh-CN" sz="1800" dirty="0" smtClean="0">
+              <a:solidFill>
+                <a:srgbClr val="000000"/>
+              </a:solidFill>
+              <a:latin typeface="Times New Roman" pitchFamily="18" charset="0"/>
+              <a:cs typeface="Times New Roman" pitchFamily="18" charset="0"/>
+            </a:endParaRPr>
+          </a:p>
+          <a:p>
+            <a:pPr marL="447675" indent="-447675" eaLnBrk="1" hangingPunct="1">
+              <a:lnSpc>
+                <a:spcPct val="150000"/>
+              </a:lnSpc>
+              <a:buClr>
+                <a:srgbClr val="C00000"/>
+              </a:buClr>
+              <a:buSzPct val="80000"/>
+              <a:buFont typeface="Wingdings" pitchFamily="2" charset="2"/>
+              <a:buChar char="Ø"/>
+              <a:tabLst>
+                <a:tab pos="93663" algn="l"/>
+              </a:tabLst>
+            </a:pPr>
+            <a:r>
+              <a:rPr lang="en-GB" altLang="zh-CN" sz="1800" dirty="0" smtClean="0">
+                <a:solidFill>
+                  <a:srgbClr val="000000"/>
+                </a:solidFill>
+                <a:latin typeface="Times New Roman" pitchFamily="18" charset="0"/>
+                <a:cs typeface="Times New Roman" pitchFamily="18" charset="0"/>
+              </a:rPr>
+              <a:t>HTML Forms </a:t>
+            </a:r>
+            <a:r>
+              <a:rPr lang="en-GB" sz="1800" dirty="0">
+                <a:latin typeface="Times New Roman" pitchFamily="18" charset="0"/>
+                <a:hlinkClick r:id="rId3"/>
+              </a:rPr>
+              <a:t>http://www.w3schools.com/html/html_forms.asp</a:t>
+            </a:r>
+            <a:endParaRPr lang="en-GB" sz="1800" dirty="0">
+              <a:latin typeface="Times New Roman" pitchFamily="18" charset="0"/>
+            </a:endParaRPr>
+          </a:p>
+          <a:p>
+            <a:pPr marL="447675" indent="-447675">
+              <a:lnSpc>
+                <a:spcPct val="150000"/>
+              </a:lnSpc>
+              <a:buClr>
+                <a:srgbClr val="C00000"/>
+              </a:buClr>
+              <a:buSzPct val="80000"/>
+              <a:buFont typeface="Wingdings" pitchFamily="2" charset="2"/>
+              <a:buChar char="Ø"/>
+              <a:tabLst>
+                <a:tab pos="93663" algn="l"/>
+              </a:tabLst>
+            </a:pPr>
+            <a:r>
+              <a:rPr lang="en-GB" altLang="zh-CN" sz="1800" dirty="0">
+                <a:solidFill>
+                  <a:srgbClr val="000000"/>
+                </a:solidFill>
+                <a:latin typeface="Times New Roman" pitchFamily="18" charset="0"/>
+                <a:cs typeface="Times New Roman" pitchFamily="18" charset="0"/>
+              </a:rPr>
+              <a:t>HTML </a:t>
+            </a:r>
+            <a:r>
+              <a:rPr lang="en-GB" altLang="zh-CN" sz="1800" dirty="0" smtClean="0">
+                <a:solidFill>
+                  <a:srgbClr val="000000"/>
+                </a:solidFill>
+                <a:latin typeface="Consolas" panose="020B0609020204030204" pitchFamily="49" charset="0"/>
+                <a:cs typeface="Consolas" panose="020B0609020204030204" pitchFamily="49" charset="0"/>
+              </a:rPr>
+              <a:t>&lt;input&gt; </a:t>
+            </a:r>
+            <a:r>
+              <a:rPr lang="en-GB" altLang="zh-CN" sz="1800" dirty="0">
+                <a:solidFill>
+                  <a:srgbClr val="000000"/>
+                </a:solidFill>
+                <a:latin typeface="Times New Roman" pitchFamily="18" charset="0"/>
+                <a:cs typeface="Times New Roman" pitchFamily="18" charset="0"/>
+              </a:rPr>
+              <a:t>tag </a:t>
+            </a:r>
+            <a:r>
+              <a:rPr lang="en-GB" sz="1800" dirty="0">
+                <a:latin typeface="Times New Roman" pitchFamily="18" charset="0"/>
+                <a:hlinkClick r:id="rId4"/>
+              </a:rPr>
+              <a:t>http://www.w3schools.com/tags/tag_input.asp</a:t>
+            </a:r>
+            <a:endParaRPr lang="en-GB" sz="1800" dirty="0">
+              <a:latin typeface="Times New Roman" pitchFamily="18" charset="0"/>
+            </a:endParaRPr>
+          </a:p>
+          <a:p>
+            <a:pPr marL="447675" indent="-447675">
+              <a:lnSpc>
+                <a:spcPct val="150000"/>
+              </a:lnSpc>
+              <a:buClr>
+                <a:srgbClr val="C00000"/>
+              </a:buClr>
+              <a:buSzPct val="80000"/>
+              <a:buFont typeface="Wingdings" pitchFamily="2" charset="2"/>
+              <a:buChar char="Ø"/>
+              <a:tabLst>
+                <a:tab pos="93663" algn="l"/>
+              </a:tabLst>
+            </a:pPr>
+            <a:r>
+              <a:rPr lang="en-GB" altLang="zh-CN" sz="1800" dirty="0">
+                <a:solidFill>
+                  <a:srgbClr val="000000"/>
+                </a:solidFill>
+                <a:latin typeface="Times New Roman" pitchFamily="18" charset="0"/>
+                <a:cs typeface="Times New Roman" pitchFamily="18" charset="0"/>
+              </a:rPr>
+              <a:t>HTML </a:t>
+            </a:r>
+            <a:r>
+              <a:rPr lang="en-GB" altLang="zh-CN" sz="1800" dirty="0" smtClean="0">
+                <a:solidFill>
+                  <a:srgbClr val="000000"/>
+                </a:solidFill>
+                <a:latin typeface="Consolas" panose="020B0609020204030204" pitchFamily="49" charset="0"/>
+                <a:cs typeface="Consolas" panose="020B0609020204030204" pitchFamily="49" charset="0"/>
+              </a:rPr>
+              <a:t>&lt;select&gt; </a:t>
+            </a:r>
+            <a:r>
+              <a:rPr lang="en-GB" altLang="zh-CN" sz="1800" dirty="0">
+                <a:solidFill>
+                  <a:srgbClr val="000000"/>
+                </a:solidFill>
+                <a:latin typeface="Times New Roman" pitchFamily="18" charset="0"/>
+                <a:cs typeface="Times New Roman" pitchFamily="18" charset="0"/>
+              </a:rPr>
+              <a:t>tag </a:t>
+            </a:r>
+            <a:r>
+              <a:rPr lang="en-GB" sz="1800" dirty="0">
+                <a:latin typeface="Times New Roman" pitchFamily="18" charset="0"/>
+                <a:hlinkClick r:id="rId5"/>
+              </a:rPr>
+              <a:t>http://www.w3schools.com/tags/tag_select.asp</a:t>
+            </a:r>
+            <a:endParaRPr lang="en-GB" sz="1800" dirty="0">
+              <a:latin typeface="Times New Roman" pitchFamily="18" charset="0"/>
+            </a:endParaRPr>
+          </a:p>
+          <a:p>
+            <a:pPr marL="447675" indent="-447675">
+              <a:lnSpc>
+                <a:spcPct val="150000"/>
+              </a:lnSpc>
+              <a:buClr>
+                <a:srgbClr val="C00000"/>
+              </a:buClr>
+              <a:buSzPct val="80000"/>
+              <a:buFont typeface="Wingdings" pitchFamily="2" charset="2"/>
+              <a:buChar char="Ø"/>
+              <a:tabLst>
+                <a:tab pos="93663" algn="l"/>
+              </a:tabLst>
+            </a:pPr>
+            <a:r>
+              <a:rPr lang="en-GB" altLang="zh-CN" sz="1800" dirty="0" smtClean="0">
+                <a:solidFill>
+                  <a:srgbClr val="000000"/>
+                </a:solidFill>
+                <a:latin typeface="Times New Roman" pitchFamily="18" charset="0"/>
+                <a:cs typeface="Times New Roman" pitchFamily="18" charset="0"/>
+              </a:rPr>
+              <a:t>HTML </a:t>
+            </a:r>
+            <a:r>
+              <a:rPr lang="en-GB" altLang="zh-CN" sz="1800" dirty="0" smtClean="0">
+                <a:solidFill>
+                  <a:srgbClr val="000000"/>
+                </a:solidFill>
+                <a:latin typeface="Consolas" panose="020B0609020204030204" pitchFamily="49" charset="0"/>
+                <a:cs typeface="Consolas" panose="020B0609020204030204" pitchFamily="49" charset="0"/>
+              </a:rPr>
+              <a:t>&lt;label&gt; </a:t>
+            </a:r>
+            <a:r>
+              <a:rPr lang="en-GB" altLang="zh-CN" sz="1800" dirty="0" smtClean="0">
+                <a:solidFill>
+                  <a:srgbClr val="000000"/>
+                </a:solidFill>
+                <a:latin typeface="Times New Roman" pitchFamily="18" charset="0"/>
+                <a:cs typeface="Times New Roman" pitchFamily="18" charset="0"/>
+              </a:rPr>
+              <a:t>tag </a:t>
+            </a:r>
+            <a:r>
+              <a:rPr lang="en-GB" sz="1800" dirty="0" smtClean="0">
+                <a:latin typeface="Times New Roman" pitchFamily="18" charset="0"/>
+                <a:hlinkClick r:id="rId6"/>
+              </a:rPr>
+              <a:t>http://www.w3schools.com/tags/tryit.asp?filename=tryhtml_label</a:t>
+            </a:r>
+            <a:endParaRPr lang="en-GB" sz="1800" dirty="0" smtClean="0">
+              <a:latin typeface="Times New Roman" pitchFamily="18" charset="0"/>
+            </a:endParaRPr>
+          </a:p>
+          <a:p>
+            <a:pPr marL="447675" indent="-447675">
+              <a:lnSpc>
+                <a:spcPct val="150000"/>
+              </a:lnSpc>
+              <a:buClr>
+                <a:srgbClr val="C00000"/>
+              </a:buClr>
+              <a:buSzPct val="80000"/>
+              <a:buFont typeface="Wingdings" pitchFamily="2" charset="2"/>
+              <a:buChar char="Ø"/>
+              <a:tabLst>
+                <a:tab pos="93663" algn="l"/>
+              </a:tabLst>
+            </a:pPr>
+            <a:r>
+              <a:rPr lang="en-GB" altLang="zh-CN" sz="1800" dirty="0">
+                <a:solidFill>
+                  <a:srgbClr val="000000"/>
+                </a:solidFill>
+                <a:latin typeface="Times New Roman" pitchFamily="18" charset="0"/>
+                <a:cs typeface="Times New Roman" pitchFamily="18" charset="0"/>
+              </a:rPr>
+              <a:t>HTML </a:t>
+            </a:r>
+            <a:r>
+              <a:rPr lang="en-GB" altLang="zh-CN" sz="1800" dirty="0" smtClean="0">
+                <a:solidFill>
+                  <a:srgbClr val="000000"/>
+                </a:solidFill>
+                <a:latin typeface="Consolas" panose="020B0609020204030204" pitchFamily="49" charset="0"/>
+                <a:cs typeface="Consolas" panose="020B0609020204030204" pitchFamily="49" charset="0"/>
+              </a:rPr>
+              <a:t>&lt;</a:t>
+            </a:r>
+            <a:r>
+              <a:rPr lang="en-GB" altLang="zh-CN" sz="1800" dirty="0" err="1" smtClean="0">
+                <a:solidFill>
+                  <a:srgbClr val="000000"/>
+                </a:solidFill>
+                <a:latin typeface="Consolas" panose="020B0609020204030204" pitchFamily="49" charset="0"/>
+                <a:cs typeface="Consolas" panose="020B0609020204030204" pitchFamily="49" charset="0"/>
+              </a:rPr>
+              <a:t>fieldset</a:t>
+            </a:r>
+            <a:r>
+              <a:rPr lang="en-GB" altLang="zh-CN" sz="1800" dirty="0" smtClean="0">
+                <a:solidFill>
+                  <a:srgbClr val="000000"/>
+                </a:solidFill>
+                <a:latin typeface="Consolas" panose="020B0609020204030204" pitchFamily="49" charset="0"/>
+                <a:cs typeface="Consolas" panose="020B0609020204030204" pitchFamily="49" charset="0"/>
+              </a:rPr>
+              <a:t>&gt; </a:t>
+            </a:r>
+            <a:r>
+              <a:rPr lang="en-GB" altLang="zh-CN" sz="1800" dirty="0">
+                <a:solidFill>
+                  <a:srgbClr val="000000"/>
+                </a:solidFill>
+                <a:latin typeface="Times New Roman" pitchFamily="18" charset="0"/>
+                <a:cs typeface="Times New Roman" pitchFamily="18" charset="0"/>
+              </a:rPr>
+              <a:t>tag </a:t>
+            </a:r>
+            <a:r>
+              <a:rPr lang="en-GB" sz="1800" dirty="0">
+                <a:latin typeface="Times New Roman" pitchFamily="18" charset="0"/>
+                <a:hlinkClick r:id="rId7"/>
+              </a:rPr>
+              <a:t>http://www.w3schools.com/tags/tag_fieldset.asp</a:t>
+            </a:r>
+            <a:endParaRPr lang="en-GB" sz="1800" dirty="0">
+              <a:latin typeface="Times New Roman" pitchFamily="18" charset="0"/>
+            </a:endParaRPr>
+          </a:p>
+          <a:p>
+            <a:pPr marL="447675" indent="-447675">
+              <a:lnSpc>
+                <a:spcPct val="150000"/>
+              </a:lnSpc>
+              <a:buClr>
+                <a:srgbClr val="C00000"/>
+              </a:buClr>
+              <a:buSzPct val="80000"/>
+              <a:buFont typeface="Wingdings" pitchFamily="2" charset="2"/>
+              <a:buChar char="Ø"/>
+              <a:tabLst>
+                <a:tab pos="93663" algn="l"/>
+              </a:tabLst>
+            </a:pPr>
+            <a:endParaRPr lang="en-GB" sz="1800" dirty="0" smtClean="0">
+              <a:latin typeface="Times New Roman" pitchFamily="18" charset="0"/>
+            </a:endParaRPr>
+          </a:p>
+          <a:p>
+            <a:pPr marL="447675" indent="-447675" eaLnBrk="1" hangingPunct="1">
+              <a:lnSpc>
+                <a:spcPct val="150000"/>
+              </a:lnSpc>
+              <a:buClr>
+                <a:srgbClr val="C00000"/>
+              </a:buClr>
+              <a:buSzPct val="80000"/>
+              <a:buFont typeface="Wingdings" pitchFamily="2" charset="2"/>
+              <a:buChar char="Ø"/>
+              <a:tabLst>
+                <a:tab pos="93663" algn="l"/>
+              </a:tabLst>
+            </a:pPr>
+            <a:endParaRPr lang="en-GB" altLang="zh-CN" sz="1800" dirty="0" smtClean="0">
+              <a:latin typeface="Times New Roman" pitchFamily="18" charset="0"/>
+            </a:endParaRPr>
+          </a:p>
+        </p:txBody>
+      </p:sp>
+    </p:spTree>
+    <p:extLst>
+      <p:ext uri="{BB962C8B-B14F-4D97-AF65-F5344CB8AC3E}">
+        <p14:creationId xmlns:p14="http://schemas.microsoft.com/office/powerpoint/2010/main" val="3359179282"/>
+      </p:ext>
+    </p:extLst>
+  </p:cSld>
+  <p:clrMapOvr>
+    <a:masterClrMapping/>
+  </p:clrMapOvr>
+  <p:timing>
+    <p:tnLst>
+      <p:par>
+        <p:cTn id="1" dur="indefinite" restart="never" nodeType="tmRoot"/>
+      </p:par>
+    </p:tnLst>
+  </p:timing>
+</p:sld>
+</file>
+
 <file path=ppt/slides/slide2.xml><?xml version="1.0" encoding="utf-8"?>
+<p:sld xmlns:a="http://schemas.openxmlformats.org/drawingml/2006/main" xmlns:r="http://schemas.openxmlformats.org/officeDocument/2006/relationships" xmlns:p="http://schemas.openxmlformats.org/presentationml/2006/main">
+  <p:cSld>
+    <p:spTree>
+      <p:nvGrpSpPr>
+        <p:cNvPr id="1" name=""/>
+        <p:cNvGrpSpPr/>
+        <p:nvPr/>
+      </p:nvGrpSpPr>
+      <p:grpSpPr>
+        <a:xfrm>
+          <a:off x="0" y="0"/>
+          <a:ext cx="0" cy="0"/>
+          <a:chOff x="0" y="0"/>
+          <a:chExt cx="0" cy="0"/>
+        </a:xfrm>
+      </p:grpSpPr>
+      <p:sp>
+        <p:nvSpPr>
+          <p:cNvPr id="2" name="Title 1"/>
+          <p:cNvSpPr>
+            <a:spLocks noGrp="1"/>
+          </p:cNvSpPr>
+          <p:nvPr>
+            <p:ph type="title"/>
+          </p:nvPr>
+        </p:nvSpPr>
+        <p:spPr/>
+        <p:txBody>
+          <a:bodyPr>
+            <a:normAutofit/>
+          </a:bodyPr>
+          <a:lstStyle/>
+          <a:p>
+            <a:r>
+              <a:rPr lang="en-US" sz="4000" b="1" dirty="0" smtClean="0"/>
+              <a:t>Mock TCA Update</a:t>
+            </a:r>
+            <a:endParaRPr lang="en-US" sz="4000" b="1" dirty="0"/>
+          </a:p>
+        </p:txBody>
+      </p:sp>
+      <p:sp>
+        <p:nvSpPr>
+          <p:cNvPr id="3" name="Content Placeholder 2"/>
+          <p:cNvSpPr>
+            <a:spLocks noGrp="1"/>
+          </p:cNvSpPr>
+          <p:nvPr>
+            <p:ph idx="1"/>
+          </p:nvPr>
+        </p:nvSpPr>
+        <p:spPr>
+          <a:xfrm>
+            <a:off x="628650" y="1690689"/>
+            <a:ext cx="7886700" cy="4351338"/>
+          </a:xfrm>
+        </p:spPr>
+        <p:txBody>
+          <a:bodyPr>
+            <a:normAutofit/>
+          </a:bodyPr>
+          <a:lstStyle/>
+          <a:p>
+            <a:r>
+              <a:rPr lang="en-US" sz="4800" dirty="0" smtClean="0"/>
+              <a:t> 80% marked and feedback given </a:t>
+            </a:r>
+          </a:p>
+          <a:p>
+            <a:r>
+              <a:rPr lang="en-US" sz="4800" dirty="0" smtClean="0"/>
+              <a:t>Check that your zip file is uploaded </a:t>
+            </a:r>
+            <a:endParaRPr lang="en-US" sz="4800" dirty="0"/>
+          </a:p>
+        </p:txBody>
+      </p:sp>
+      <p:sp>
+        <p:nvSpPr>
+          <p:cNvPr id="4" name="Date Placeholder 3"/>
+          <p:cNvSpPr>
+            <a:spLocks noGrp="1"/>
+          </p:cNvSpPr>
+          <p:nvPr>
+            <p:ph type="dt" sz="half" idx="10"/>
+          </p:nvPr>
+        </p:nvSpPr>
+        <p:spPr/>
+        <p:txBody>
+          <a:bodyPr/>
+          <a:lstStyle/>
+          <a:p>
+            <a:fld id="{E12F0530-D8BC-6A4A-99B7-601A5B2DCCF4}" type="datetimeFigureOut">
+              <a:rPr lang="en-US" smtClean="0"/>
+              <a:t>11/15/16</a:t>
+            </a:fld>
+            <a:endParaRPr lang="en-US"/>
+          </a:p>
+        </p:txBody>
+      </p:sp>
+      <p:sp>
+        <p:nvSpPr>
+          <p:cNvPr id="5" name="Footer Placeholder 4"/>
+          <p:cNvSpPr>
+            <a:spLocks noGrp="1"/>
+          </p:cNvSpPr>
+          <p:nvPr>
+            <p:ph type="ftr" sz="quarter" idx="11"/>
+          </p:nvPr>
+        </p:nvSpPr>
+        <p:spPr/>
+        <p:txBody>
+          <a:bodyPr/>
+          <a:lstStyle/>
+          <a:p>
+            <a:endParaRPr lang="en-US"/>
+          </a:p>
+        </p:txBody>
+      </p:sp>
+      <p:sp>
+        <p:nvSpPr>
+          <p:cNvPr id="6" name="Slide Number Placeholder 5"/>
+          <p:cNvSpPr>
+            <a:spLocks noGrp="1"/>
+          </p:cNvSpPr>
+          <p:nvPr>
+            <p:ph type="sldNum" sz="quarter" idx="12"/>
+          </p:nvPr>
+        </p:nvSpPr>
+        <p:spPr/>
+        <p:txBody>
+          <a:bodyPr/>
+          <a:lstStyle/>
+          <a:p>
+            <a:fld id="{C46B1231-2764-EC45-BEBF-44E1EA008E92}" type="slidenum">
+              <a:rPr lang="en-US" smtClean="0"/>
+              <a:t>2</a:t>
+            </a:fld>
+            <a:endParaRPr lang="en-US"/>
+          </a:p>
+        </p:txBody>
+      </p:sp>
+    </p:spTree>
+    <p:extLst>
+      <p:ext uri="{BB962C8B-B14F-4D97-AF65-F5344CB8AC3E}">
+        <p14:creationId xmlns:p14="http://schemas.microsoft.com/office/powerpoint/2010/main" val="966015046"/>
+      </p:ext>
+    </p:extLst>
+  </p:cSld>
+  <p:clrMapOvr>
+    <a:masterClrMapping/>
+  </p:clrMapOvr>
+  <p:timing>
+    <p:tnLst>
+      <p:par>
+        <p:cTn id="1" dur="indefinite" restart="never" nodeType="tmRoot"/>
+      </p:par>
+    </p:tnLst>
+  </p:timing>
+</p:sld>
+</file>
+
+<file path=ppt/slides/slide3.xml><?xml version="1.0" encoding="utf-8"?>
+<p:sld xmlns:a="http://schemas.openxmlformats.org/drawingml/2006/main" xmlns:r="http://schemas.openxmlformats.org/officeDocument/2006/relationships" xmlns:p="http://schemas.openxmlformats.org/presentationml/2006/main">
+  <p:cSld>
+    <p:spTree>
+      <p:nvGrpSpPr>
+        <p:cNvPr id="1" name=""/>
+        <p:cNvGrpSpPr/>
+        <p:nvPr/>
+      </p:nvGrpSpPr>
+      <p:grpSpPr>
+        <a:xfrm>
+          <a:off x="0" y="0"/>
+          <a:ext cx="0" cy="0"/>
+          <a:chOff x="0" y="0"/>
+          <a:chExt cx="0" cy="0"/>
+        </a:xfrm>
+      </p:grpSpPr>
+      <p:sp>
+        <p:nvSpPr>
+          <p:cNvPr id="2" name="Title 1"/>
+          <p:cNvSpPr>
+            <a:spLocks noGrp="1"/>
+          </p:cNvSpPr>
+          <p:nvPr>
+            <p:ph type="title"/>
+          </p:nvPr>
+        </p:nvSpPr>
+        <p:spPr/>
+        <p:txBody>
+          <a:bodyPr>
+            <a:normAutofit/>
+          </a:bodyPr>
+          <a:lstStyle/>
+          <a:p>
+            <a:pPr algn="ctr"/>
+            <a:r>
+              <a:rPr lang="en-US" sz="4400" b="1" dirty="0" smtClean="0"/>
+              <a:t>The Legal Side</a:t>
+            </a:r>
+            <a:endParaRPr lang="en-US" sz="4400" b="1" dirty="0"/>
+          </a:p>
+        </p:txBody>
+      </p:sp>
+      <p:sp>
+        <p:nvSpPr>
+          <p:cNvPr id="3" name="Content Placeholder 2"/>
+          <p:cNvSpPr>
+            <a:spLocks noGrp="1"/>
+          </p:cNvSpPr>
+          <p:nvPr>
+            <p:ph idx="1"/>
+          </p:nvPr>
+        </p:nvSpPr>
+        <p:spPr>
+          <a:xfrm>
+            <a:off x="628650" y="1196752"/>
+            <a:ext cx="7886700" cy="4351338"/>
+          </a:xfrm>
+        </p:spPr>
+        <p:txBody>
+          <a:bodyPr>
+            <a:normAutofit/>
+          </a:bodyPr>
+          <a:lstStyle/>
+          <a:p>
+            <a:pPr marL="0" indent="0">
+              <a:buNone/>
+            </a:pPr>
+            <a:endParaRPr lang="en-US" sz="3600" dirty="0"/>
+          </a:p>
+          <a:p>
+            <a:pPr marL="0" indent="0" algn="ctr">
+              <a:buNone/>
+            </a:pPr>
+            <a:r>
+              <a:rPr lang="en-US" sz="3600" u="sng" dirty="0" smtClean="0"/>
+              <a:t>Data Protection Act</a:t>
+            </a:r>
+            <a:endParaRPr lang="en-US" sz="3600" u="sng" dirty="0"/>
+          </a:p>
+        </p:txBody>
+      </p:sp>
+      <p:sp>
+        <p:nvSpPr>
+          <p:cNvPr id="4" name="Date Placeholder 3"/>
+          <p:cNvSpPr>
+            <a:spLocks noGrp="1"/>
+          </p:cNvSpPr>
+          <p:nvPr>
+            <p:ph type="dt" sz="half" idx="10"/>
+          </p:nvPr>
+        </p:nvSpPr>
+        <p:spPr/>
+        <p:txBody>
+          <a:bodyPr/>
+          <a:lstStyle/>
+          <a:p>
+            <a:fld id="{E12F0530-D8BC-6A4A-99B7-601A5B2DCCF4}" type="datetimeFigureOut">
+              <a:rPr lang="en-US" smtClean="0"/>
+              <a:t>11/15/16</a:t>
+            </a:fld>
+            <a:endParaRPr lang="en-US"/>
+          </a:p>
+        </p:txBody>
+      </p:sp>
+      <p:sp>
+        <p:nvSpPr>
+          <p:cNvPr id="5" name="Footer Placeholder 4"/>
+          <p:cNvSpPr>
+            <a:spLocks noGrp="1"/>
+          </p:cNvSpPr>
+          <p:nvPr>
+            <p:ph type="ftr" sz="quarter" idx="11"/>
+          </p:nvPr>
+        </p:nvSpPr>
+        <p:spPr/>
+        <p:txBody>
+          <a:bodyPr/>
+          <a:lstStyle/>
+          <a:p>
+            <a:endParaRPr lang="en-US"/>
+          </a:p>
+        </p:txBody>
+      </p:sp>
+      <p:sp>
+        <p:nvSpPr>
+          <p:cNvPr id="6" name="Slide Number Placeholder 5"/>
+          <p:cNvSpPr>
+            <a:spLocks noGrp="1"/>
+          </p:cNvSpPr>
+          <p:nvPr>
+            <p:ph type="sldNum" sz="quarter" idx="12"/>
+          </p:nvPr>
+        </p:nvSpPr>
+        <p:spPr/>
+        <p:txBody>
+          <a:bodyPr/>
+          <a:lstStyle/>
+          <a:p>
+            <a:fld id="{C46B1231-2764-EC45-BEBF-44E1EA008E92}" type="slidenum">
+              <a:rPr lang="en-US" smtClean="0"/>
+              <a:t>3</a:t>
+            </a:fld>
+            <a:endParaRPr lang="en-US"/>
+          </a:p>
+        </p:txBody>
+      </p:sp>
+      <p:pic>
+        <p:nvPicPr>
+          <p:cNvPr id="7" name="Picture 6"/>
+          <p:cNvPicPr>
+            <a:picLocks noChangeAspect="1"/>
+          </p:cNvPicPr>
+          <p:nvPr/>
+        </p:nvPicPr>
+        <p:blipFill>
+          <a:blip r:embed="rId2"/>
+          <a:stretch>
+            <a:fillRect/>
+          </a:stretch>
+        </p:blipFill>
+        <p:spPr>
+          <a:xfrm>
+            <a:off x="3143250" y="2541248"/>
+            <a:ext cx="2857500" cy="2857500"/>
+          </a:xfrm>
+          <a:prstGeom prst="rect">
+            <a:avLst/>
+          </a:prstGeom>
+        </p:spPr>
+      </p:pic>
+    </p:spTree>
+    <p:extLst>
+      <p:ext uri="{BB962C8B-B14F-4D97-AF65-F5344CB8AC3E}">
+        <p14:creationId xmlns:p14="http://schemas.microsoft.com/office/powerpoint/2010/main" val="1358843664"/>
+      </p:ext>
+    </p:extLst>
+  </p:cSld>
+  <p:clrMapOvr>
+    <a:masterClrMapping/>
+  </p:clrMapOvr>
+  <p:timing>
+    <p:tnLst>
+      <p:par>
+        <p:cTn id="1" dur="indefinite" restart="never" nodeType="tmRoot"/>
+      </p:par>
+    </p:tnLst>
+  </p:timing>
+</p:sld>
+</file>
+
+<file path=ppt/slides/slide4.xml><?xml version="1.0" encoding="utf-8"?>
+<p:sld xmlns:a="http://schemas.openxmlformats.org/drawingml/2006/main" xmlns:r="http://schemas.openxmlformats.org/officeDocument/2006/relationships" xmlns:p="http://schemas.openxmlformats.org/presentationml/2006/main">
+  <p:cSld>
+    <p:spTree>
+      <p:nvGrpSpPr>
+        <p:cNvPr id="1" name=""/>
+        <p:cNvGrpSpPr/>
+        <p:nvPr/>
+      </p:nvGrpSpPr>
+      <p:grpSpPr>
+        <a:xfrm>
+          <a:off x="0" y="0"/>
+          <a:ext cx="0" cy="0"/>
+          <a:chOff x="0" y="0"/>
+          <a:chExt cx="0" cy="0"/>
+        </a:xfrm>
+      </p:grpSpPr>
+      <p:sp>
+        <p:nvSpPr>
+          <p:cNvPr id="2" name="Title 1"/>
+          <p:cNvSpPr>
+            <a:spLocks noGrp="1"/>
+          </p:cNvSpPr>
+          <p:nvPr>
+            <p:ph type="title"/>
+          </p:nvPr>
+        </p:nvSpPr>
+        <p:spPr/>
+        <p:txBody>
+          <a:bodyPr/>
+          <a:lstStyle/>
+          <a:p>
+            <a:r>
+              <a:rPr lang="en-US" b="1" dirty="0"/>
+              <a:t>Checklist - Data protection assurance</a:t>
+            </a:r>
+          </a:p>
+        </p:txBody>
+      </p:sp>
+      <p:sp>
+        <p:nvSpPr>
+          <p:cNvPr id="3" name="Content Placeholder 2"/>
+          <p:cNvSpPr>
+            <a:spLocks noGrp="1"/>
+          </p:cNvSpPr>
+          <p:nvPr>
+            <p:ph idx="1"/>
+          </p:nvPr>
+        </p:nvSpPr>
+        <p:spPr/>
+        <p:txBody>
+          <a:bodyPr/>
+          <a:lstStyle/>
+          <a:p>
+            <a:r>
+              <a:rPr lang="en-US" sz="4000" dirty="0" smtClean="0"/>
+              <a:t> Responding </a:t>
+            </a:r>
+            <a:r>
+              <a:rPr lang="en-US" sz="4000" dirty="0"/>
+              <a:t>to access </a:t>
+            </a:r>
+            <a:r>
+              <a:rPr lang="en-US" sz="4000" dirty="0" smtClean="0"/>
+              <a:t>requests</a:t>
+            </a:r>
+          </a:p>
+          <a:p>
+            <a:r>
+              <a:rPr lang="en-US" sz="4000" dirty="0" smtClean="0"/>
+              <a:t> Privacy </a:t>
+            </a:r>
+            <a:r>
+              <a:rPr lang="en-US" sz="4000" dirty="0"/>
+              <a:t>notices</a:t>
+            </a:r>
+          </a:p>
+          <a:p>
+            <a:r>
+              <a:rPr lang="en-US" sz="4000" dirty="0" smtClean="0"/>
+              <a:t> </a:t>
+            </a:r>
+            <a:r>
+              <a:rPr lang="en-US" sz="4000" dirty="0"/>
+              <a:t>Responding to access requests</a:t>
+            </a:r>
+          </a:p>
+          <a:p>
+            <a:pPr marL="0" indent="0">
+              <a:buNone/>
+            </a:pPr>
+            <a:endParaRPr lang="en-US" sz="4000" dirty="0">
+              <a:hlinkClick r:id="rId2"/>
+            </a:endParaRPr>
+          </a:p>
+          <a:p>
+            <a:pPr marL="0" indent="0">
+              <a:buNone/>
+            </a:pPr>
+            <a:r>
+              <a:rPr lang="en-US" dirty="0">
+                <a:hlinkClick r:id="rId2"/>
+              </a:rPr>
+              <a:t> </a:t>
+            </a:r>
+            <a:r>
+              <a:rPr lang="en-US" i="1" dirty="0">
+                <a:hlinkClick r:id="rId2"/>
+              </a:rPr>
+              <a:t>Self assessment Toolkit</a:t>
+            </a:r>
+            <a:r>
+              <a:rPr lang="en-US" dirty="0">
+                <a:hlinkClick r:id="rId2"/>
+              </a:rPr>
+              <a:t> [viewed 15 November 2016]. Available from: https://</a:t>
+            </a:r>
+            <a:r>
+              <a:rPr lang="en-US" dirty="0" err="1">
+                <a:hlinkClick r:id="rId2"/>
+              </a:rPr>
+              <a:t>ico.org.uk</a:t>
+            </a:r>
+            <a:r>
+              <a:rPr lang="en-US" dirty="0">
+                <a:hlinkClick r:id="rId2"/>
+              </a:rPr>
+              <a:t>//for-</a:t>
+            </a:r>
+            <a:r>
+              <a:rPr lang="en-US" dirty="0" err="1">
+                <a:hlinkClick r:id="rId2"/>
+              </a:rPr>
+              <a:t>organisations</a:t>
+            </a:r>
+            <a:r>
+              <a:rPr lang="en-US" dirty="0">
+                <a:hlinkClick r:id="rId2"/>
+              </a:rPr>
+              <a:t>/improve-your-practices/data-protection-toolkit/</a:t>
+            </a:r>
+            <a:r>
+              <a:rPr lang="en-US" dirty="0" err="1">
+                <a:hlinkClick r:id="rId2"/>
+              </a:rPr>
+              <a:t>index.html</a:t>
+            </a:r>
+            <a:endParaRPr lang="en-US" dirty="0"/>
+          </a:p>
+          <a:p>
+            <a:pPr marL="0" indent="0">
+              <a:buNone/>
+            </a:pPr>
+            <a:endParaRPr lang="en-US" dirty="0"/>
+          </a:p>
+        </p:txBody>
+      </p:sp>
+      <p:sp>
+        <p:nvSpPr>
+          <p:cNvPr id="4" name="Date Placeholder 3"/>
+          <p:cNvSpPr>
+            <a:spLocks noGrp="1"/>
+          </p:cNvSpPr>
+          <p:nvPr>
+            <p:ph type="dt" sz="half" idx="10"/>
+          </p:nvPr>
+        </p:nvSpPr>
+        <p:spPr/>
+        <p:txBody>
+          <a:bodyPr/>
+          <a:lstStyle/>
+          <a:p>
+            <a:fld id="{E12F0530-D8BC-6A4A-99B7-601A5B2DCCF4}" type="datetimeFigureOut">
+              <a:rPr lang="en-US" smtClean="0"/>
+              <a:t>11/15/16</a:t>
+            </a:fld>
+            <a:endParaRPr lang="en-US"/>
+          </a:p>
+        </p:txBody>
+      </p:sp>
+      <p:sp>
+        <p:nvSpPr>
+          <p:cNvPr id="5" name="Footer Placeholder 4"/>
+          <p:cNvSpPr>
+            <a:spLocks noGrp="1"/>
+          </p:cNvSpPr>
+          <p:nvPr>
+            <p:ph type="ftr" sz="quarter" idx="11"/>
+          </p:nvPr>
+        </p:nvSpPr>
+        <p:spPr/>
+        <p:txBody>
+          <a:bodyPr/>
+          <a:lstStyle/>
+          <a:p>
+            <a:endParaRPr lang="en-US"/>
+          </a:p>
+        </p:txBody>
+      </p:sp>
+      <p:sp>
+        <p:nvSpPr>
+          <p:cNvPr id="6" name="Slide Number Placeholder 5"/>
+          <p:cNvSpPr>
+            <a:spLocks noGrp="1"/>
+          </p:cNvSpPr>
+          <p:nvPr>
+            <p:ph type="sldNum" sz="quarter" idx="12"/>
+          </p:nvPr>
+        </p:nvSpPr>
+        <p:spPr/>
+        <p:txBody>
+          <a:bodyPr/>
+          <a:lstStyle/>
+          <a:p>
+            <a:fld id="{C46B1231-2764-EC45-BEBF-44E1EA008E92}" type="slidenum">
+              <a:rPr lang="en-US" smtClean="0"/>
+              <a:t>4</a:t>
+            </a:fld>
+            <a:endParaRPr lang="en-US"/>
+          </a:p>
+        </p:txBody>
+      </p:sp>
+    </p:spTree>
+    <p:extLst>
+      <p:ext uri="{BB962C8B-B14F-4D97-AF65-F5344CB8AC3E}">
+        <p14:creationId xmlns:p14="http://schemas.microsoft.com/office/powerpoint/2010/main" val="784449556"/>
+      </p:ext>
+    </p:extLst>
+  </p:cSld>
+  <p:clrMapOvr>
+    <a:masterClrMapping/>
+  </p:clrMapOvr>
+  <p:timing>
+    <p:tnLst>
+      <p:par>
+        <p:cTn id="1" dur="indefinite" restart="never" nodeType="tmRoot"/>
+      </p:par>
+    </p:tnLst>
+  </p:timing>
+</p:sld>
+</file>
+
+<file path=ppt/slides/slide5.xml><?xml version="1.0" encoding="utf-8"?>
 <p:sld xmlns:a="http://schemas.openxmlformats.org/drawingml/2006/main" xmlns:r="http://schemas.openxmlformats.org/officeDocument/2006/relationships" xmlns:p="http://schemas.openxmlformats.org/presentationml/2006/main" showMasterSp="0">
   <p:cSld>
     <p:spTree>
@@ -5488,7 +7220,7 @@
               <a:defRPr/>
             </a:pPr>
             <a:r>
-              <a:rPr lang="en-GB" sz="2800" i="1">
+              <a:rPr lang="en-GB" sz="2800" i="1" dirty="0">
                 <a:solidFill>
                   <a:srgbClr val="C00000"/>
                 </a:solidFill>
@@ -5496,18 +7228,13 @@
               <a:t> </a:t>
             </a:r>
             <a:r>
-              <a:rPr lang="en-GB" sz="2800" i="1" smtClean="0">
+              <a:rPr lang="en-GB" sz="2800" i="1" dirty="0" smtClean="0">
                 <a:solidFill>
                   <a:srgbClr val="C00000"/>
                 </a:solidFill>
               </a:rPr>
-              <a:t>     Action is where the form posts to </a:t>
-            </a:r>
-            <a:endParaRPr lang="en-GB" sz="2800" i="1" dirty="0" smtClean="0">
-              <a:solidFill>
-                <a:srgbClr val="C00000"/>
-              </a:solidFill>
-            </a:endParaRPr>
+              <a:t>     		Action is where the form posts to </a:t>
+            </a:r>
           </a:p>
           <a:p>
             <a:pPr marL="266700" lvl="1">
@@ -6137,7 +7864,7 @@
 </p:sld>
 </file>
 
-<file path=ppt/slides/slide3.xml><?xml version="1.0" encoding="utf-8"?>
+<file path=ppt/slides/slide6.xml><?xml version="1.0" encoding="utf-8"?>
 <p:sld xmlns:a="http://schemas.openxmlformats.org/drawingml/2006/main" xmlns:r="http://schemas.openxmlformats.org/officeDocument/2006/relationships" xmlns:p="http://schemas.openxmlformats.org/presentationml/2006/main" showMasterSp="0">
   <p:cSld>
     <p:spTree>
@@ -6215,8 +7942,8 @@
         </p:nvSpPr>
         <p:spPr bwMode="auto">
           <a:xfrm>
-            <a:off x="271077" y="3933056"/>
-            <a:ext cx="8713788" cy="2134171"/>
+            <a:off x="179512" y="3933056"/>
+            <a:ext cx="8805353" cy="2134171"/>
           </a:xfrm>
           <a:prstGeom prst="rect">
             <a:avLst/>
@@ -6268,7 +7995,31 @@
                 <a:ea typeface="ＭＳ Ｐゴシック" pitchFamily="34" charset="-128"/>
                 <a:cs typeface="Consolas" panose="020B0609020204030204" pitchFamily="49" charset="0"/>
               </a:rPr>
-              <a:t>form action</a:t>
+              <a:t>form </a:t>
+            </a:r>
+            <a:r>
+              <a:rPr lang="en-GB" dirty="0">
+                <a:latin typeface="Consolas" panose="020B0609020204030204" pitchFamily="49" charset="0"/>
+                <a:ea typeface="ＭＳ Ｐゴシック" pitchFamily="34" charset="-128"/>
+                <a:cs typeface="Consolas" panose="020B0609020204030204" pitchFamily="49" charset="0"/>
+              </a:rPr>
+              <a:t>action="http://</a:t>
+            </a:r>
+            <a:r>
+              <a:rPr lang="en-GB" dirty="0" err="1">
+                <a:latin typeface="Consolas" panose="020B0609020204030204" pitchFamily="49" charset="0"/>
+                <a:ea typeface="ＭＳ Ｐゴシック" pitchFamily="34" charset="-128"/>
+                <a:cs typeface="Consolas" panose="020B0609020204030204" pitchFamily="49" charset="0"/>
+              </a:rPr>
+              <a:t>www.google.com</a:t>
+            </a:r>
+            <a:r>
+              <a:rPr lang="en-GB" dirty="0">
+                <a:latin typeface="Consolas" panose="020B0609020204030204" pitchFamily="49" charset="0"/>
+                <a:ea typeface="ＭＳ Ｐゴシック" pitchFamily="34" charset="-128"/>
+                <a:cs typeface="Consolas" panose="020B0609020204030204" pitchFamily="49" charset="0"/>
+              </a:rPr>
+              <a:t>" </a:t>
             </a:r>
             <a:r>
               <a:rPr lang="en-GB" dirty="0" smtClean="0">
@@ -6276,7 +8027,7 @@
                 <a:ea typeface="ＭＳ Ｐゴシック" pitchFamily="34" charset="-128"/>
                 <a:cs typeface="Consolas" panose="020B0609020204030204" pitchFamily="49" charset="0"/>
               </a:rPr>
-              <a:t>=“"&gt; </a:t>
+              <a:t>method=“post”&gt; </a:t>
             </a:r>
             <a:endParaRPr lang="en-GB" dirty="0">
               <a:latin typeface="Consolas" panose="020B0609020204030204" pitchFamily="49" charset="0"/>
@@ -6304,7 +8055,23 @@
                 <a:ea typeface="ＭＳ Ｐゴシック" pitchFamily="34" charset="-128"/>
                 <a:cs typeface="Consolas" panose="020B0609020204030204" pitchFamily="49" charset="0"/>
               </a:rPr>
-              <a:t>&lt;p&gt; Name: &lt;input </a:t>
+              <a:t>&lt;p&gt; </a:t>
+            </a:r>
+            <a:r>
+              <a:rPr lang="en-GB" dirty="0" smtClean="0">
+                <a:latin typeface="Consolas" panose="020B0609020204030204" pitchFamily="49" charset="0"/>
+                <a:ea typeface="ＭＳ Ｐゴシック" pitchFamily="34" charset="-128"/>
+                <a:cs typeface="Consolas" panose="020B0609020204030204" pitchFamily="49" charset="0"/>
+              </a:rPr>
+              <a:t> </a:t>
+            </a:r>
+            <a:r>
+              <a:rPr lang="en-GB" dirty="0">
+                <a:latin typeface="Consolas" panose="020B0609020204030204" pitchFamily="49" charset="0"/>
+                <a:ea typeface="ＭＳ Ｐゴシック" pitchFamily="34" charset="-128"/>
+                <a:cs typeface="Consolas" panose="020B0609020204030204" pitchFamily="49" charset="0"/>
+              </a:rPr>
+              <a:t>&lt;input </a:t>
             </a:r>
             <a:r>
               <a:rPr lang="en-GB" dirty="0">
@@ -6409,7 +8176,15 @@
                 <a:ea typeface="ＭＳ Ｐゴシック" pitchFamily="34" charset="-128"/>
                 <a:cs typeface="Consolas" panose="020B0609020204030204" pitchFamily="49" charset="0"/>
               </a:rPr>
-              <a:t>&lt;p&gt; Email: &lt;input </a:t>
+              <a:t>&lt;p&gt; </a:t>
+            </a:r>
+            <a:r>
+              <a:rPr lang="en-GB" dirty="0" smtClean="0">
+                <a:latin typeface="Consolas" panose="020B0609020204030204" pitchFamily="49" charset="0"/>
+                <a:ea typeface="ＭＳ Ｐゴシック" pitchFamily="34" charset="-128"/>
+                <a:cs typeface="Consolas" panose="020B0609020204030204" pitchFamily="49" charset="0"/>
+              </a:rPr>
+              <a:t>&lt;input </a:t>
             </a:r>
             <a:r>
               <a:rPr lang="en-GB" dirty="0">
@@ -6509,15 +8284,15 @@
               <a:defRPr/>
             </a:pPr>
             <a:r>
-              <a:rPr lang="en-GB" dirty="0">
+              <a:rPr lang="en-GB" dirty="0" smtClean="0">
                 <a:latin typeface="Consolas" panose="020B0609020204030204" pitchFamily="49" charset="0"/>
                 <a:ea typeface="ＭＳ Ｐゴシック" pitchFamily="34" charset="-128"/>
                 <a:cs typeface="Consolas" panose="020B0609020204030204" pitchFamily="49" charset="0"/>
               </a:rPr>
-              <a:t>&lt;input </a:t>
-            </a:r>
-            <a:r>
-              <a:rPr lang="en-GB" dirty="0">
+              <a:t>&lt;</a:t>
+            </a:r>
+            <a:r>
+              <a:rPr lang="en-GB" dirty="0" smtClean="0">
                 <a:solidFill>
                   <a:srgbClr val="C00000"/>
                 </a:solidFill>
@@ -6874,7 +8649,7 @@
 </p:sld>
 </file>
 
-<file path=ppt/slides/slide4.xml><?xml version="1.0" encoding="utf-8"?>
+<file path=ppt/slides/slide7.xml><?xml version="1.0" encoding="utf-8"?>
 <p:sld xmlns:a="http://schemas.openxmlformats.org/drawingml/2006/main" xmlns:r="http://schemas.openxmlformats.org/officeDocument/2006/relationships" xmlns:p="http://schemas.openxmlformats.org/presentationml/2006/main">
   <p:cSld>
     <p:spTree>
@@ -6965,8 +8740,8 @@
         </p:nvSpPr>
         <p:spPr bwMode="auto">
           <a:xfrm>
-            <a:off x="395536" y="2509838"/>
-            <a:ext cx="8136904" cy="2287314"/>
+            <a:off x="179512" y="2509838"/>
+            <a:ext cx="8352928" cy="2935386"/>
           </a:xfrm>
           <a:prstGeom prst="rect">
             <a:avLst/>
@@ -7615,7 +9390,7 @@
 </p:sld>
 </file>
 
-<file path=ppt/slides/slide5.xml><?xml version="1.0" encoding="utf-8"?>
+<file path=ppt/slides/slide8.xml><?xml version="1.0" encoding="utf-8"?>
 <p:sld xmlns:a="http://schemas.openxmlformats.org/drawingml/2006/main" xmlns:r="http://schemas.openxmlformats.org/officeDocument/2006/relationships" xmlns:p="http://schemas.openxmlformats.org/presentationml/2006/main" showMasterSp="0">
   <p:cSld>
     <p:spTree>
@@ -8442,7 +10217,7 @@
 </p:sld>
 </file>
 
-<file path=ppt/slides/slide6.xml><?xml version="1.0" encoding="utf-8"?>
+<file path=ppt/slides/slide9.xml><?xml version="1.0" encoding="utf-8"?>
 <p:sld xmlns:a="http://schemas.openxmlformats.org/drawingml/2006/main" xmlns:r="http://schemas.openxmlformats.org/officeDocument/2006/relationships" xmlns:p="http://schemas.openxmlformats.org/presentationml/2006/main">
   <p:cSld>
     <p:spTree>
@@ -9275,924 +11050,6 @@
       <p:bldP spid="8195" grpId="0" animBg="1"/>
       <p:bldP spid="6" grpId="0"/>
     </p:bldLst>
-  </p:timing>
-</p:sld>
-</file>
-
-<file path=ppt/slides/slide7.xml><?xml version="1.0" encoding="utf-8"?>
-<p:sld xmlns:a="http://schemas.openxmlformats.org/drawingml/2006/main" xmlns:r="http://schemas.openxmlformats.org/officeDocument/2006/relationships" xmlns:p="http://schemas.openxmlformats.org/presentationml/2006/main" showMasterSp="0">
-  <p:cSld>
-    <p:spTree>
-      <p:nvGrpSpPr>
-        <p:cNvPr id="1" name=""/>
-        <p:cNvGrpSpPr/>
-        <p:nvPr/>
-      </p:nvGrpSpPr>
-      <p:grpSpPr>
-        <a:xfrm>
-          <a:off x="0" y="0"/>
-          <a:ext cx="0" cy="0"/>
-          <a:chOff x="0" y="0"/>
-          <a:chExt cx="0" cy="0"/>
-        </a:xfrm>
-      </p:grpSpPr>
-      <p:sp>
-        <p:nvSpPr>
-          <p:cNvPr id="10243" name="Rectangle 2"/>
-          <p:cNvSpPr>
-            <a:spLocks noGrp="1" noChangeArrowheads="1"/>
-          </p:cNvSpPr>
-          <p:nvPr>
-            <p:ph type="title"/>
-          </p:nvPr>
-        </p:nvSpPr>
-        <p:spPr>
-          <a:xfrm>
-            <a:off x="0" y="357188"/>
-            <a:ext cx="9144000" cy="714375"/>
-          </a:xfrm>
-        </p:spPr>
-        <p:txBody>
-          <a:bodyPr>
-            <a:normAutofit fontScale="90000"/>
-          </a:bodyPr>
-          <a:lstStyle/>
-          <a:p>
-            <a:pPr algn="ctr" eaLnBrk="1" hangingPunct="1">
-              <a:defRPr/>
-            </a:pPr>
-            <a:r>
-              <a:rPr lang="en-GB" sz="3600" dirty="0" smtClean="0">
-                <a:solidFill>
-                  <a:srgbClr val="C00000"/>
-                </a:solidFill>
-              </a:rPr>
-              <a:t>Multi-line Text</a:t>
-            </a:r>
-            <a:br>
-              <a:rPr lang="en-GB" sz="3600" dirty="0" smtClean="0">
-                <a:solidFill>
-                  <a:srgbClr val="C00000"/>
-                </a:solidFill>
-              </a:rPr>
-            </a:br>
-            <a:endParaRPr lang="en-GB" sz="3600" dirty="0" smtClean="0">
-              <a:solidFill>
-                <a:srgbClr val="C00000"/>
-              </a:solidFill>
-              <a:ea typeface="+mj-ea"/>
-            </a:endParaRPr>
-          </a:p>
-        </p:txBody>
-      </p:sp>
-      <p:sp>
-        <p:nvSpPr>
-          <p:cNvPr id="8195" name="Rectangle 4"/>
-          <p:cNvSpPr>
-            <a:spLocks noChangeArrowheads="1"/>
-          </p:cNvSpPr>
-          <p:nvPr/>
-        </p:nvSpPr>
-        <p:spPr bwMode="auto">
-          <a:xfrm>
-            <a:off x="395536" y="3384550"/>
-            <a:ext cx="8429625" cy="1844650"/>
-          </a:xfrm>
-          <a:prstGeom prst="rect">
-            <a:avLst/>
-          </a:prstGeom>
-          <a:solidFill>
-            <a:schemeClr val="accent1"/>
-          </a:solidFill>
-          <a:ln w="9525" algn="ctr">
-            <a:solidFill>
-              <a:schemeClr val="tx1"/>
-            </a:solidFill>
-            <a:round/>
-            <a:headEnd/>
-            <a:tailEnd/>
-          </a:ln>
-        </p:spPr>
-        <p:txBody>
-          <a:bodyPr/>
-          <a:lstStyle/>
-          <a:p>
-            <a:pPr>
-              <a:lnSpc>
-                <a:spcPct val="150000"/>
-              </a:lnSpc>
-              <a:spcBef>
-                <a:spcPts val="0"/>
-              </a:spcBef>
-              <a:spcAft>
-                <a:spcPts val="0"/>
-              </a:spcAft>
-            </a:pPr>
-            <a:r>
-              <a:rPr lang="en-GB" dirty="0">
-                <a:latin typeface="Consolas" panose="020B0609020204030204" pitchFamily="49" charset="0"/>
-                <a:cs typeface="Consolas" panose="020B0609020204030204" pitchFamily="49" charset="0"/>
-              </a:rPr>
-              <a:t>&lt;h1&gt;Enter your suggestions here: &lt;/h1&gt;</a:t>
-            </a:r>
-          </a:p>
-          <a:p>
-            <a:pPr>
-              <a:lnSpc>
-                <a:spcPct val="150000"/>
-              </a:lnSpc>
-              <a:spcBef>
-                <a:spcPts val="0"/>
-              </a:spcBef>
-              <a:spcAft>
-                <a:spcPts val="0"/>
-              </a:spcAft>
-            </a:pPr>
-            <a:r>
-              <a:rPr lang="en-GB" dirty="0">
-                <a:latin typeface="Consolas" panose="020B0609020204030204" pitchFamily="49" charset="0"/>
-                <a:cs typeface="Consolas" panose="020B0609020204030204" pitchFamily="49" charset="0"/>
-              </a:rPr>
-              <a:t>&lt;</a:t>
-            </a:r>
-            <a:r>
-              <a:rPr lang="en-GB" b="1" dirty="0" err="1">
-                <a:latin typeface="Consolas" panose="020B0609020204030204" pitchFamily="49" charset="0"/>
-                <a:cs typeface="Consolas" panose="020B0609020204030204" pitchFamily="49" charset="0"/>
-              </a:rPr>
-              <a:t>textarea</a:t>
-            </a:r>
-            <a:r>
-              <a:rPr lang="en-GB" dirty="0">
-                <a:latin typeface="Consolas" panose="020B0609020204030204" pitchFamily="49" charset="0"/>
-                <a:cs typeface="Consolas" panose="020B0609020204030204" pitchFamily="49" charset="0"/>
-              </a:rPr>
-              <a:t> </a:t>
-            </a:r>
-            <a:r>
-              <a:rPr lang="en-GB" dirty="0">
-                <a:solidFill>
-                  <a:srgbClr val="C00000"/>
-                </a:solidFill>
-                <a:latin typeface="Consolas" panose="020B0609020204030204" pitchFamily="49" charset="0"/>
-                <a:cs typeface="Consolas" panose="020B0609020204030204" pitchFamily="49" charset="0"/>
-              </a:rPr>
-              <a:t>name</a:t>
-            </a:r>
-            <a:r>
-              <a:rPr lang="en-GB" dirty="0">
-                <a:latin typeface="Consolas" panose="020B0609020204030204" pitchFamily="49" charset="0"/>
-                <a:cs typeface="Consolas" panose="020B0609020204030204" pitchFamily="49" charset="0"/>
-              </a:rPr>
-              <a:t>="</a:t>
-            </a:r>
-            <a:r>
-              <a:rPr lang="en-GB" dirty="0">
-                <a:solidFill>
-                  <a:srgbClr val="00CC00"/>
-                </a:solidFill>
-                <a:latin typeface="Consolas" panose="020B0609020204030204" pitchFamily="49" charset="0"/>
-                <a:cs typeface="Consolas" panose="020B0609020204030204" pitchFamily="49" charset="0"/>
-              </a:rPr>
-              <a:t>suggestions</a:t>
-            </a:r>
-            <a:r>
-              <a:rPr lang="en-GB" dirty="0">
-                <a:latin typeface="Consolas" panose="020B0609020204030204" pitchFamily="49" charset="0"/>
-                <a:cs typeface="Consolas" panose="020B0609020204030204" pitchFamily="49" charset="0"/>
-              </a:rPr>
-              <a:t>" </a:t>
-            </a:r>
-            <a:r>
-              <a:rPr lang="en-GB" dirty="0">
-                <a:solidFill>
-                  <a:srgbClr val="C00000"/>
-                </a:solidFill>
-                <a:latin typeface="Consolas" panose="020B0609020204030204" pitchFamily="49" charset="0"/>
-                <a:cs typeface="Consolas" panose="020B0609020204030204" pitchFamily="49" charset="0"/>
-              </a:rPr>
-              <a:t>rows</a:t>
-            </a:r>
-            <a:r>
-              <a:rPr lang="en-GB" dirty="0">
-                <a:latin typeface="Consolas" panose="020B0609020204030204" pitchFamily="49" charset="0"/>
-                <a:cs typeface="Consolas" panose="020B0609020204030204" pitchFamily="49" charset="0"/>
-              </a:rPr>
-              <a:t>="</a:t>
-            </a:r>
-            <a:r>
-              <a:rPr lang="en-GB" dirty="0">
-                <a:solidFill>
-                  <a:srgbClr val="00CC00"/>
-                </a:solidFill>
-                <a:latin typeface="Consolas" panose="020B0609020204030204" pitchFamily="49" charset="0"/>
-                <a:cs typeface="Consolas" panose="020B0609020204030204" pitchFamily="49" charset="0"/>
-              </a:rPr>
-              <a:t>5</a:t>
-            </a:r>
-            <a:r>
-              <a:rPr lang="en-GB" dirty="0">
-                <a:latin typeface="Consolas" panose="020B0609020204030204" pitchFamily="49" charset="0"/>
-                <a:cs typeface="Consolas" panose="020B0609020204030204" pitchFamily="49" charset="0"/>
-              </a:rPr>
-              <a:t>" </a:t>
-            </a:r>
-            <a:r>
-              <a:rPr lang="en-GB" dirty="0">
-                <a:solidFill>
-                  <a:srgbClr val="C00000"/>
-                </a:solidFill>
-                <a:latin typeface="Consolas" panose="020B0609020204030204" pitchFamily="49" charset="0"/>
-                <a:cs typeface="Consolas" panose="020B0609020204030204" pitchFamily="49" charset="0"/>
-              </a:rPr>
-              <a:t>cols</a:t>
-            </a:r>
-            <a:r>
-              <a:rPr lang="en-GB" dirty="0">
-                <a:latin typeface="Consolas" panose="020B0609020204030204" pitchFamily="49" charset="0"/>
-                <a:cs typeface="Consolas" panose="020B0609020204030204" pitchFamily="49" charset="0"/>
-              </a:rPr>
-              <a:t>="</a:t>
-            </a:r>
-            <a:r>
-              <a:rPr lang="en-GB" dirty="0">
-                <a:solidFill>
-                  <a:srgbClr val="00CC00"/>
-                </a:solidFill>
-                <a:latin typeface="Consolas" panose="020B0609020204030204" pitchFamily="49" charset="0"/>
-                <a:cs typeface="Consolas" panose="020B0609020204030204" pitchFamily="49" charset="0"/>
-              </a:rPr>
-              <a:t>25</a:t>
-            </a:r>
-            <a:r>
-              <a:rPr lang="en-GB" dirty="0">
-                <a:latin typeface="Consolas" panose="020B0609020204030204" pitchFamily="49" charset="0"/>
-                <a:cs typeface="Consolas" panose="020B0609020204030204" pitchFamily="49" charset="0"/>
-              </a:rPr>
-              <a:t>"&gt; my suggestions are:&lt;</a:t>
-            </a:r>
-            <a:r>
-              <a:rPr lang="en-GB" b="1" dirty="0">
-                <a:latin typeface="Consolas" panose="020B0609020204030204" pitchFamily="49" charset="0"/>
-                <a:cs typeface="Consolas" panose="020B0609020204030204" pitchFamily="49" charset="0"/>
-              </a:rPr>
-              <a:t>/</a:t>
-            </a:r>
-            <a:r>
-              <a:rPr lang="en-GB" b="1" dirty="0" err="1">
-                <a:latin typeface="Consolas" panose="020B0609020204030204" pitchFamily="49" charset="0"/>
-                <a:cs typeface="Consolas" panose="020B0609020204030204" pitchFamily="49" charset="0"/>
-              </a:rPr>
-              <a:t>textarea</a:t>
-            </a:r>
-            <a:r>
-              <a:rPr lang="en-GB" dirty="0">
-                <a:latin typeface="Consolas" panose="020B0609020204030204" pitchFamily="49" charset="0"/>
-                <a:cs typeface="Consolas" panose="020B0609020204030204" pitchFamily="49" charset="0"/>
-              </a:rPr>
-              <a:t>&gt;</a:t>
-            </a:r>
-          </a:p>
-        </p:txBody>
-      </p:sp>
-      <p:pic>
-        <p:nvPicPr>
-          <p:cNvPr id="12293" name="Picture 5"/>
-          <p:cNvPicPr>
-            <a:picLocks noChangeAspect="1" noChangeArrowheads="1"/>
-          </p:cNvPicPr>
-          <p:nvPr/>
-        </p:nvPicPr>
-        <p:blipFill>
-          <a:blip r:embed="rId3"/>
-          <a:srcRect/>
-          <a:stretch>
-            <a:fillRect/>
-          </a:stretch>
-        </p:blipFill>
-        <p:spPr bwMode="auto">
-          <a:xfrm>
-            <a:off x="2771775" y="1341438"/>
-            <a:ext cx="3168650" cy="1773237"/>
-          </a:xfrm>
-          <a:prstGeom prst="rect">
-            <a:avLst/>
-          </a:prstGeom>
-          <a:noFill/>
-          <a:ln w="9525">
-            <a:solidFill>
-              <a:schemeClr val="accent1">
-                <a:lumMod val="75000"/>
-              </a:schemeClr>
-            </a:solidFill>
-            <a:miter lim="800000"/>
-            <a:headEnd/>
-            <a:tailEnd/>
-          </a:ln>
-          <a:effectLst/>
-        </p:spPr>
-      </p:pic>
-    </p:spTree>
-    <p:extLst>
-      <p:ext uri="{BB962C8B-B14F-4D97-AF65-F5344CB8AC3E}">
-        <p14:creationId xmlns:p14="http://schemas.microsoft.com/office/powerpoint/2010/main" val="16982343"/>
-      </p:ext>
-    </p:extLst>
-  </p:cSld>
-  <p:clrMapOvr>
-    <a:masterClrMapping/>
-  </p:clrMapOvr>
-  <p:timing>
-    <p:tnLst>
-      <p:par>
-        <p:cTn id="1" dur="indefinite" restart="never" nodeType="tmRoot">
-          <p:childTnLst>
-            <p:seq concurrent="1" nextAc="seek">
-              <p:cTn id="2" dur="indefinite" nodeType="mainSeq">
-                <p:childTnLst>
-                  <p:par>
-                    <p:cTn id="3" fill="hold">
-                      <p:stCondLst>
-                        <p:cond delay="indefinite"/>
-                      </p:stCondLst>
-                      <p:childTnLst>
-                        <p:par>
-                          <p:cTn id="4" fill="hold">
-                            <p:stCondLst>
-                              <p:cond delay="0"/>
-                            </p:stCondLst>
-                            <p:childTnLst>
-                              <p:par>
-                                <p:cTn id="5" presetID="29" presetClass="entr" presetSubtype="0" fill="hold" grpId="0" nodeType="clickEffect">
-                                  <p:stCondLst>
-                                    <p:cond delay="0"/>
-                                  </p:stCondLst>
-                                  <p:childTnLst>
-                                    <p:set>
-                                      <p:cBhvr>
-                                        <p:cTn id="6" dur="1" fill="hold">
-                                          <p:stCondLst>
-                                            <p:cond delay="0"/>
-                                          </p:stCondLst>
-                                        </p:cTn>
-                                        <p:tgtEl>
-                                          <p:spTgt spid="8195"/>
-                                        </p:tgtEl>
-                                        <p:attrNameLst>
-                                          <p:attrName>style.visibility</p:attrName>
-                                        </p:attrNameLst>
-                                      </p:cBhvr>
-                                      <p:to>
-                                        <p:strVal val="visible"/>
-                                      </p:to>
-                                    </p:set>
-                                    <p:anim calcmode="lin" valueType="num">
-                                      <p:cBhvr>
-                                        <p:cTn id="7" dur="1000" fill="hold"/>
-                                        <p:tgtEl>
-                                          <p:spTgt spid="8195"/>
-                                        </p:tgtEl>
-                                        <p:attrNameLst>
-                                          <p:attrName>ppt_x</p:attrName>
-                                        </p:attrNameLst>
-                                      </p:cBhvr>
-                                      <p:tavLst>
-                                        <p:tav tm="0">
-                                          <p:val>
-                                            <p:strVal val="#ppt_x-.2"/>
-                                          </p:val>
-                                        </p:tav>
-                                        <p:tav tm="100000">
-                                          <p:val>
-                                            <p:strVal val="#ppt_x"/>
-                                          </p:val>
-                                        </p:tav>
-                                      </p:tavLst>
-                                    </p:anim>
-                                    <p:anim calcmode="lin" valueType="num">
-                                      <p:cBhvr>
-                                        <p:cTn id="8" dur="1000" fill="hold"/>
-                                        <p:tgtEl>
-                                          <p:spTgt spid="8195"/>
-                                        </p:tgtEl>
-                                        <p:attrNameLst>
-                                          <p:attrName>ppt_y</p:attrName>
-                                        </p:attrNameLst>
-                                      </p:cBhvr>
-                                      <p:tavLst>
-                                        <p:tav tm="0">
-                                          <p:val>
-                                            <p:strVal val="#ppt_y"/>
-                                          </p:val>
-                                        </p:tav>
-                                        <p:tav tm="100000">
-                                          <p:val>
-                                            <p:strVal val="#ppt_y"/>
-                                          </p:val>
-                                        </p:tav>
-                                      </p:tavLst>
-                                    </p:anim>
-                                    <p:animEffect transition="in" filter="wipe(right)" prLst="gradientSize: 0.1">
-                                      <p:cBhvr>
-                                        <p:cTn id="9" dur="1000"/>
-                                        <p:tgtEl>
-                                          <p:spTgt spid="8195"/>
-                                        </p:tgtEl>
-                                      </p:cBhvr>
-                                    </p:animEffect>
-                                  </p:childTnLst>
-                                </p:cTn>
-                              </p:par>
-                            </p:childTnLst>
-                          </p:cTn>
-                        </p:par>
-                      </p:childTnLst>
-                    </p:cTn>
-                  </p:par>
-                </p:childTnLst>
-              </p:cTn>
-              <p:prevCondLst>
-                <p:cond evt="onPrev" delay="0">
-                  <p:tgtEl>
-                    <p:sldTgt/>
-                  </p:tgtEl>
-                </p:cond>
-              </p:prevCondLst>
-              <p:nextCondLst>
-                <p:cond evt="onNext" delay="0">
-                  <p:tgtEl>
-                    <p:sldTgt/>
-                  </p:tgtEl>
-                </p:cond>
-              </p:nextCondLst>
-            </p:seq>
-          </p:childTnLst>
-        </p:cTn>
-      </p:par>
-    </p:tnLst>
-    <p:bldLst>
-      <p:bldP spid="8195" grpId="0" animBg="1"/>
-    </p:bldLst>
-  </p:timing>
-</p:sld>
-</file>
-
-<file path=ppt/slides/slide8.xml><?xml version="1.0" encoding="utf-8"?>
-<p:sld xmlns:a="http://schemas.openxmlformats.org/drawingml/2006/main" xmlns:r="http://schemas.openxmlformats.org/officeDocument/2006/relationships" xmlns:p="http://schemas.openxmlformats.org/presentationml/2006/main">
-  <p:cSld>
-    <p:spTree>
-      <p:nvGrpSpPr>
-        <p:cNvPr id="1" name=""/>
-        <p:cNvGrpSpPr/>
-        <p:nvPr/>
-      </p:nvGrpSpPr>
-      <p:grpSpPr>
-        <a:xfrm>
-          <a:off x="0" y="0"/>
-          <a:ext cx="0" cy="0"/>
-          <a:chOff x="0" y="0"/>
-          <a:chExt cx="0" cy="0"/>
-        </a:xfrm>
-      </p:grpSpPr>
-      <p:sp>
-        <p:nvSpPr>
-          <p:cNvPr id="9" name="Rectangle 2"/>
-          <p:cNvSpPr txBox="1">
-            <a:spLocks noChangeArrowheads="1"/>
-          </p:cNvSpPr>
-          <p:nvPr/>
-        </p:nvSpPr>
-        <p:spPr bwMode="auto">
-          <a:xfrm>
-            <a:off x="500063" y="260350"/>
-            <a:ext cx="8443912" cy="857250"/>
-          </a:xfrm>
-          <a:prstGeom prst="rect">
-            <a:avLst/>
-          </a:prstGeom>
-          <a:noFill/>
-          <a:ln w="9525">
-            <a:noFill/>
-            <a:miter lim="800000"/>
-            <a:headEnd/>
-            <a:tailEnd/>
-          </a:ln>
-        </p:spPr>
-        <p:txBody>
-          <a:bodyPr lIns="0" tIns="0" rIns="0" bIns="0"/>
-          <a:lstStyle/>
-          <a:p>
-            <a:pPr algn="ctr" eaLnBrk="1" hangingPunct="1">
-              <a:defRPr/>
-            </a:pPr>
-            <a:r>
-              <a:rPr lang="en-GB" sz="4400" b="1" kern="0" dirty="0" smtClean="0">
-                <a:solidFill>
-                  <a:srgbClr val="C00000"/>
-                </a:solidFill>
-                <a:latin typeface="+mj-lt"/>
-                <a:ea typeface="+mj-ea"/>
-                <a:cs typeface="+mj-cs"/>
-              </a:rPr>
-              <a:t>References</a:t>
-            </a:r>
-            <a:endParaRPr lang="en-GB" sz="4400" b="1" kern="0" dirty="0">
-              <a:solidFill>
-                <a:srgbClr val="C00000"/>
-              </a:solidFill>
-              <a:latin typeface="+mj-lt"/>
-              <a:ea typeface="+mj-ea"/>
-              <a:cs typeface="+mj-cs"/>
-            </a:endParaRPr>
-          </a:p>
-        </p:txBody>
-      </p:sp>
-      <p:sp>
-        <p:nvSpPr>
-          <p:cNvPr id="33795" name="Rectangle 3"/>
-          <p:cNvSpPr txBox="1">
-            <a:spLocks noChangeArrowheads="1"/>
-          </p:cNvSpPr>
-          <p:nvPr/>
-        </p:nvSpPr>
-        <p:spPr bwMode="auto">
-          <a:xfrm>
-            <a:off x="395536" y="1117600"/>
-            <a:ext cx="8548439" cy="4737124"/>
-          </a:xfrm>
-          <a:prstGeom prst="rect">
-            <a:avLst/>
-          </a:prstGeom>
-          <a:noFill/>
-          <a:ln w="9525">
-            <a:noFill/>
-            <a:miter lim="800000"/>
-            <a:headEnd/>
-            <a:tailEnd/>
-          </a:ln>
-        </p:spPr>
-        <p:txBody>
-          <a:bodyPr lIns="0" tIns="0" rIns="0" bIns="0"/>
-          <a:lstStyle/>
-          <a:p>
-            <a:pPr marL="447675" indent="-447675" eaLnBrk="1" hangingPunct="1">
-              <a:lnSpc>
-                <a:spcPct val="150000"/>
-              </a:lnSpc>
-              <a:buClr>
-                <a:srgbClr val="C00000"/>
-              </a:buClr>
-              <a:buSzPct val="80000"/>
-              <a:buFont typeface="Wingdings" pitchFamily="2" charset="2"/>
-              <a:buChar char="Ø"/>
-              <a:tabLst>
-                <a:tab pos="93663" algn="l"/>
-              </a:tabLst>
-            </a:pPr>
-            <a:endParaRPr lang="en-GB" altLang="zh-CN" sz="1800" dirty="0" smtClean="0">
-              <a:solidFill>
-                <a:srgbClr val="000000"/>
-              </a:solidFill>
-              <a:latin typeface="Times New Roman" pitchFamily="18" charset="0"/>
-              <a:cs typeface="Times New Roman" pitchFamily="18" charset="0"/>
-            </a:endParaRPr>
-          </a:p>
-          <a:p>
-            <a:pPr marL="447675" indent="-447675" eaLnBrk="1" hangingPunct="1">
-              <a:lnSpc>
-                <a:spcPct val="150000"/>
-              </a:lnSpc>
-              <a:buClr>
-                <a:srgbClr val="C00000"/>
-              </a:buClr>
-              <a:buSzPct val="80000"/>
-              <a:buFont typeface="Wingdings" pitchFamily="2" charset="2"/>
-              <a:buChar char="Ø"/>
-              <a:tabLst>
-                <a:tab pos="93663" algn="l"/>
-              </a:tabLst>
-            </a:pPr>
-            <a:r>
-              <a:rPr lang="en-GB" altLang="zh-CN" sz="1800" dirty="0" smtClean="0">
-                <a:solidFill>
-                  <a:srgbClr val="000000"/>
-                </a:solidFill>
-                <a:latin typeface="Times New Roman" pitchFamily="18" charset="0"/>
-                <a:cs typeface="Times New Roman" pitchFamily="18" charset="0"/>
-              </a:rPr>
-              <a:t>HTML Forms </a:t>
-            </a:r>
-            <a:r>
-              <a:rPr lang="en-GB" sz="1800" dirty="0">
-                <a:latin typeface="Times New Roman" pitchFamily="18" charset="0"/>
-                <a:hlinkClick r:id="rId3"/>
-              </a:rPr>
-              <a:t>http://www.w3schools.com/html/html_forms.asp</a:t>
-            </a:r>
-            <a:endParaRPr lang="en-GB" sz="1800" dirty="0">
-              <a:latin typeface="Times New Roman" pitchFamily="18" charset="0"/>
-            </a:endParaRPr>
-          </a:p>
-          <a:p>
-            <a:pPr marL="447675" indent="-447675">
-              <a:lnSpc>
-                <a:spcPct val="150000"/>
-              </a:lnSpc>
-              <a:buClr>
-                <a:srgbClr val="C00000"/>
-              </a:buClr>
-              <a:buSzPct val="80000"/>
-              <a:buFont typeface="Wingdings" pitchFamily="2" charset="2"/>
-              <a:buChar char="Ø"/>
-              <a:tabLst>
-                <a:tab pos="93663" algn="l"/>
-              </a:tabLst>
-            </a:pPr>
-            <a:r>
-              <a:rPr lang="en-GB" altLang="zh-CN" sz="1800" dirty="0">
-                <a:solidFill>
-                  <a:srgbClr val="000000"/>
-                </a:solidFill>
-                <a:latin typeface="Times New Roman" pitchFamily="18" charset="0"/>
-                <a:cs typeface="Times New Roman" pitchFamily="18" charset="0"/>
-              </a:rPr>
-              <a:t>HTML </a:t>
-            </a:r>
-            <a:r>
-              <a:rPr lang="en-GB" altLang="zh-CN" sz="1800" dirty="0" smtClean="0">
-                <a:solidFill>
-                  <a:srgbClr val="000000"/>
-                </a:solidFill>
-                <a:latin typeface="Consolas" panose="020B0609020204030204" pitchFamily="49" charset="0"/>
-                <a:cs typeface="Consolas" panose="020B0609020204030204" pitchFamily="49" charset="0"/>
-              </a:rPr>
-              <a:t>&lt;input&gt; </a:t>
-            </a:r>
-            <a:r>
-              <a:rPr lang="en-GB" altLang="zh-CN" sz="1800" dirty="0">
-                <a:solidFill>
-                  <a:srgbClr val="000000"/>
-                </a:solidFill>
-                <a:latin typeface="Times New Roman" pitchFamily="18" charset="0"/>
-                <a:cs typeface="Times New Roman" pitchFamily="18" charset="0"/>
-              </a:rPr>
-              <a:t>tag </a:t>
-            </a:r>
-            <a:r>
-              <a:rPr lang="en-GB" sz="1800" dirty="0">
-                <a:latin typeface="Times New Roman" pitchFamily="18" charset="0"/>
-                <a:hlinkClick r:id="rId4"/>
-              </a:rPr>
-              <a:t>http://www.w3schools.com/tags/tag_input.asp</a:t>
-            </a:r>
-            <a:endParaRPr lang="en-GB" sz="1800" dirty="0">
-              <a:latin typeface="Times New Roman" pitchFamily="18" charset="0"/>
-            </a:endParaRPr>
-          </a:p>
-          <a:p>
-            <a:pPr marL="447675" indent="-447675">
-              <a:lnSpc>
-                <a:spcPct val="150000"/>
-              </a:lnSpc>
-              <a:buClr>
-                <a:srgbClr val="C00000"/>
-              </a:buClr>
-              <a:buSzPct val="80000"/>
-              <a:buFont typeface="Wingdings" pitchFamily="2" charset="2"/>
-              <a:buChar char="Ø"/>
-              <a:tabLst>
-                <a:tab pos="93663" algn="l"/>
-              </a:tabLst>
-            </a:pPr>
-            <a:r>
-              <a:rPr lang="en-GB" altLang="zh-CN" sz="1800" dirty="0">
-                <a:solidFill>
-                  <a:srgbClr val="000000"/>
-                </a:solidFill>
-                <a:latin typeface="Times New Roman" pitchFamily="18" charset="0"/>
-                <a:cs typeface="Times New Roman" pitchFamily="18" charset="0"/>
-              </a:rPr>
-              <a:t>HTML </a:t>
-            </a:r>
-            <a:r>
-              <a:rPr lang="en-GB" altLang="zh-CN" sz="1800" dirty="0" smtClean="0">
-                <a:solidFill>
-                  <a:srgbClr val="000000"/>
-                </a:solidFill>
-                <a:latin typeface="Consolas" panose="020B0609020204030204" pitchFamily="49" charset="0"/>
-                <a:cs typeface="Consolas" panose="020B0609020204030204" pitchFamily="49" charset="0"/>
-              </a:rPr>
-              <a:t>&lt;select&gt; </a:t>
-            </a:r>
-            <a:r>
-              <a:rPr lang="en-GB" altLang="zh-CN" sz="1800" dirty="0">
-                <a:solidFill>
-                  <a:srgbClr val="000000"/>
-                </a:solidFill>
-                <a:latin typeface="Times New Roman" pitchFamily="18" charset="0"/>
-                <a:cs typeface="Times New Roman" pitchFamily="18" charset="0"/>
-              </a:rPr>
-              <a:t>tag </a:t>
-            </a:r>
-            <a:r>
-              <a:rPr lang="en-GB" sz="1800" dirty="0">
-                <a:latin typeface="Times New Roman" pitchFamily="18" charset="0"/>
-                <a:hlinkClick r:id="rId5"/>
-              </a:rPr>
-              <a:t>http://www.w3schools.com/tags/tag_select.asp</a:t>
-            </a:r>
-            <a:endParaRPr lang="en-GB" sz="1800" dirty="0">
-              <a:latin typeface="Times New Roman" pitchFamily="18" charset="0"/>
-            </a:endParaRPr>
-          </a:p>
-          <a:p>
-            <a:pPr marL="447675" indent="-447675">
-              <a:lnSpc>
-                <a:spcPct val="150000"/>
-              </a:lnSpc>
-              <a:buClr>
-                <a:srgbClr val="C00000"/>
-              </a:buClr>
-              <a:buSzPct val="80000"/>
-              <a:buFont typeface="Wingdings" pitchFamily="2" charset="2"/>
-              <a:buChar char="Ø"/>
-              <a:tabLst>
-                <a:tab pos="93663" algn="l"/>
-              </a:tabLst>
-            </a:pPr>
-            <a:r>
-              <a:rPr lang="en-GB" altLang="zh-CN" sz="1800" dirty="0" smtClean="0">
-                <a:solidFill>
-                  <a:srgbClr val="000000"/>
-                </a:solidFill>
-                <a:latin typeface="Times New Roman" pitchFamily="18" charset="0"/>
-                <a:cs typeface="Times New Roman" pitchFamily="18" charset="0"/>
-              </a:rPr>
-              <a:t>HTML </a:t>
-            </a:r>
-            <a:r>
-              <a:rPr lang="en-GB" altLang="zh-CN" sz="1800" dirty="0" smtClean="0">
-                <a:solidFill>
-                  <a:srgbClr val="000000"/>
-                </a:solidFill>
-                <a:latin typeface="Consolas" panose="020B0609020204030204" pitchFamily="49" charset="0"/>
-                <a:cs typeface="Consolas" panose="020B0609020204030204" pitchFamily="49" charset="0"/>
-              </a:rPr>
-              <a:t>&lt;label&gt; </a:t>
-            </a:r>
-            <a:r>
-              <a:rPr lang="en-GB" altLang="zh-CN" sz="1800" dirty="0" smtClean="0">
-                <a:solidFill>
-                  <a:srgbClr val="000000"/>
-                </a:solidFill>
-                <a:latin typeface="Times New Roman" pitchFamily="18" charset="0"/>
-                <a:cs typeface="Times New Roman" pitchFamily="18" charset="0"/>
-              </a:rPr>
-              <a:t>tag </a:t>
-            </a:r>
-            <a:r>
-              <a:rPr lang="en-GB" sz="1800" dirty="0" smtClean="0">
-                <a:latin typeface="Times New Roman" pitchFamily="18" charset="0"/>
-                <a:hlinkClick r:id="rId6"/>
-              </a:rPr>
-              <a:t>http://www.w3schools.com/tags/tryit.asp?filename=tryhtml_label</a:t>
-            </a:r>
-            <a:endParaRPr lang="en-GB" sz="1800" dirty="0" smtClean="0">
-              <a:latin typeface="Times New Roman" pitchFamily="18" charset="0"/>
-            </a:endParaRPr>
-          </a:p>
-          <a:p>
-            <a:pPr marL="447675" indent="-447675">
-              <a:lnSpc>
-                <a:spcPct val="150000"/>
-              </a:lnSpc>
-              <a:buClr>
-                <a:srgbClr val="C00000"/>
-              </a:buClr>
-              <a:buSzPct val="80000"/>
-              <a:buFont typeface="Wingdings" pitchFamily="2" charset="2"/>
-              <a:buChar char="Ø"/>
-              <a:tabLst>
-                <a:tab pos="93663" algn="l"/>
-              </a:tabLst>
-            </a:pPr>
-            <a:r>
-              <a:rPr lang="en-GB" altLang="zh-CN" sz="1800" dirty="0">
-                <a:solidFill>
-                  <a:srgbClr val="000000"/>
-                </a:solidFill>
-                <a:latin typeface="Times New Roman" pitchFamily="18" charset="0"/>
-                <a:cs typeface="Times New Roman" pitchFamily="18" charset="0"/>
-              </a:rPr>
-              <a:t>HTML </a:t>
-            </a:r>
-            <a:r>
-              <a:rPr lang="en-GB" altLang="zh-CN" sz="1800" dirty="0" smtClean="0">
-                <a:solidFill>
-                  <a:srgbClr val="000000"/>
-                </a:solidFill>
-                <a:latin typeface="Consolas" panose="020B0609020204030204" pitchFamily="49" charset="0"/>
-                <a:cs typeface="Consolas" panose="020B0609020204030204" pitchFamily="49" charset="0"/>
-              </a:rPr>
-              <a:t>&lt;</a:t>
-            </a:r>
-            <a:r>
-              <a:rPr lang="en-GB" altLang="zh-CN" sz="1800" dirty="0" err="1" smtClean="0">
-                <a:solidFill>
-                  <a:srgbClr val="000000"/>
-                </a:solidFill>
-                <a:latin typeface="Consolas" panose="020B0609020204030204" pitchFamily="49" charset="0"/>
-                <a:cs typeface="Consolas" panose="020B0609020204030204" pitchFamily="49" charset="0"/>
-              </a:rPr>
-              <a:t>fieldset</a:t>
-            </a:r>
-            <a:r>
-              <a:rPr lang="en-GB" altLang="zh-CN" sz="1800" dirty="0" smtClean="0">
-                <a:solidFill>
-                  <a:srgbClr val="000000"/>
-                </a:solidFill>
-                <a:latin typeface="Consolas" panose="020B0609020204030204" pitchFamily="49" charset="0"/>
-                <a:cs typeface="Consolas" panose="020B0609020204030204" pitchFamily="49" charset="0"/>
-              </a:rPr>
-              <a:t>&gt; </a:t>
-            </a:r>
-            <a:r>
-              <a:rPr lang="en-GB" altLang="zh-CN" sz="1800" dirty="0">
-                <a:solidFill>
-                  <a:srgbClr val="000000"/>
-                </a:solidFill>
-                <a:latin typeface="Times New Roman" pitchFamily="18" charset="0"/>
-                <a:cs typeface="Times New Roman" pitchFamily="18" charset="0"/>
-              </a:rPr>
-              <a:t>tag </a:t>
-            </a:r>
-            <a:r>
-              <a:rPr lang="en-GB" sz="1800" dirty="0">
-                <a:latin typeface="Times New Roman" pitchFamily="18" charset="0"/>
-                <a:hlinkClick r:id="rId7"/>
-              </a:rPr>
-              <a:t>http://www.w3schools.com/tags/tag_fieldset.asp</a:t>
-            </a:r>
-            <a:endParaRPr lang="en-GB" sz="1800" dirty="0">
-              <a:latin typeface="Times New Roman" pitchFamily="18" charset="0"/>
-            </a:endParaRPr>
-          </a:p>
-          <a:p>
-            <a:pPr marL="447675" indent="-447675">
-              <a:lnSpc>
-                <a:spcPct val="150000"/>
-              </a:lnSpc>
-              <a:buClr>
-                <a:srgbClr val="C00000"/>
-              </a:buClr>
-              <a:buSzPct val="80000"/>
-              <a:buFont typeface="Wingdings" pitchFamily="2" charset="2"/>
-              <a:buChar char="Ø"/>
-              <a:tabLst>
-                <a:tab pos="93663" algn="l"/>
-              </a:tabLst>
-            </a:pPr>
-            <a:endParaRPr lang="en-GB" sz="1800" dirty="0" smtClean="0">
-              <a:latin typeface="Times New Roman" pitchFamily="18" charset="0"/>
-            </a:endParaRPr>
-          </a:p>
-          <a:p>
-            <a:pPr marL="447675" indent="-447675" eaLnBrk="1" hangingPunct="1">
-              <a:lnSpc>
-                <a:spcPct val="150000"/>
-              </a:lnSpc>
-              <a:buClr>
-                <a:srgbClr val="C00000"/>
-              </a:buClr>
-              <a:buSzPct val="80000"/>
-              <a:buFont typeface="Wingdings" pitchFamily="2" charset="2"/>
-              <a:buChar char="Ø"/>
-              <a:tabLst>
-                <a:tab pos="93663" algn="l"/>
-              </a:tabLst>
-            </a:pPr>
-            <a:endParaRPr lang="en-GB" altLang="zh-CN" sz="1800" dirty="0" smtClean="0">
-              <a:latin typeface="Times New Roman" pitchFamily="18" charset="0"/>
-            </a:endParaRPr>
-          </a:p>
-        </p:txBody>
-      </p:sp>
-    </p:spTree>
-    <p:extLst>
-      <p:ext uri="{BB962C8B-B14F-4D97-AF65-F5344CB8AC3E}">
-        <p14:creationId xmlns:p14="http://schemas.microsoft.com/office/powerpoint/2010/main" val="3359179282"/>
-      </p:ext>
-    </p:extLst>
-  </p:cSld>
-  <p:clrMapOvr>
-    <a:masterClrMapping/>
-  </p:clrMapOvr>
-  <p:timing>
-    <p:tnLst>
-      <p:par>
-        <p:cTn id="1" dur="indefinite" restart="never" nodeType="tmRoot"/>
-      </p:par>
-    </p:tnLst>
   </p:timing>
 </p:sld>
 </file>
